--- a/Docs/Apresentação.pptx
+++ b/Docs/Apresentação.pptx
@@ -8,13 +8,17 @@
     <p:sldId id="256" r:id="rId2"/>
     <p:sldId id="257" r:id="rId3"/>
     <p:sldId id="258" r:id="rId4"/>
-    <p:sldId id="259" r:id="rId5"/>
-    <p:sldId id="265" r:id="rId6"/>
+    <p:sldId id="265" r:id="rId5"/>
+    <p:sldId id="259" r:id="rId6"/>
     <p:sldId id="260" r:id="rId7"/>
-    <p:sldId id="261" r:id="rId8"/>
-    <p:sldId id="262" r:id="rId9"/>
-    <p:sldId id="263" r:id="rId10"/>
-    <p:sldId id="264" r:id="rId11"/>
+    <p:sldId id="269" r:id="rId8"/>
+    <p:sldId id="261" r:id="rId9"/>
+    <p:sldId id="262" r:id="rId10"/>
+    <p:sldId id="266" r:id="rId11"/>
+    <p:sldId id="268" r:id="rId12"/>
+    <p:sldId id="267" r:id="rId13"/>
+    <p:sldId id="263" r:id="rId14"/>
+    <p:sldId id="264" r:id="rId15"/>
   </p:sldIdLst>
   <p:sldSz cx="12192000" cy="6858000"/>
   <p:notesSz cx="6858000" cy="9144000"/>
@@ -113,6 +117,11 @@
       </a:defRPr>
     </a:lvl9pPr>
   </p:defaultTextStyle>
+  <p:extLst>
+    <p:ext uri="{EFAFB233-063F-42B5-8137-9DF3F51BA10A}">
+      <p15:sldGuideLst xmlns:p15="http://schemas.microsoft.com/office/powerpoint/2012/main"/>
+    </p:ext>
+  </p:extLst>
 </p:presentation>
 </file>
 
@@ -301,7 +310,7 @@
           <a:p>
             <a:fld id="{D2821F6D-D560-4037-BF0E-81C5DBAD212C}" type="datetimeFigureOut">
               <a:rPr lang="pt-BR" smtClean="0"/>
-              <a:t>11/05/2022</a:t>
+              <a:t>08/06/2022</a:t>
             </a:fld>
             <a:endParaRPr lang="pt-BR"/>
           </a:p>
@@ -599,7 +608,7 @@
           <a:p>
             <a:fld id="{D2821F6D-D560-4037-BF0E-81C5DBAD212C}" type="datetimeFigureOut">
               <a:rPr lang="pt-BR" smtClean="0"/>
-              <a:t>11/05/2022</a:t>
+              <a:t>08/06/2022</a:t>
             </a:fld>
             <a:endParaRPr lang="pt-BR"/>
           </a:p>
@@ -791,7 +800,7 @@
           <a:p>
             <a:fld id="{D2821F6D-D560-4037-BF0E-81C5DBAD212C}" type="datetimeFigureOut">
               <a:rPr lang="pt-BR" smtClean="0"/>
-              <a:t>11/05/2022</a:t>
+              <a:t>08/06/2022</a:t>
             </a:fld>
             <a:endParaRPr lang="pt-BR"/>
           </a:p>
@@ -1052,7 +1061,7 @@
           <a:p>
             <a:fld id="{D2821F6D-D560-4037-BF0E-81C5DBAD212C}" type="datetimeFigureOut">
               <a:rPr lang="pt-BR" smtClean="0"/>
-              <a:t>11/05/2022</a:t>
+              <a:t>08/06/2022</a:t>
             </a:fld>
             <a:endParaRPr lang="pt-BR"/>
           </a:p>
@@ -1476,7 +1485,7 @@
           <a:p>
             <a:fld id="{D2821F6D-D560-4037-BF0E-81C5DBAD212C}" type="datetimeFigureOut">
               <a:rPr lang="pt-BR" smtClean="0"/>
-              <a:t>11/05/2022</a:t>
+              <a:t>08/06/2022</a:t>
             </a:fld>
             <a:endParaRPr lang="pt-BR"/>
           </a:p>
@@ -2013,7 +2022,7 @@
           <a:p>
             <a:fld id="{D2821F6D-D560-4037-BF0E-81C5DBAD212C}" type="datetimeFigureOut">
               <a:rPr lang="pt-BR" smtClean="0"/>
-              <a:t>11/05/2022</a:t>
+              <a:t>08/06/2022</a:t>
             </a:fld>
             <a:endParaRPr lang="pt-BR"/>
           </a:p>
@@ -2877,7 +2886,7 @@
           <a:p>
             <a:fld id="{D2821F6D-D560-4037-BF0E-81C5DBAD212C}" type="datetimeFigureOut">
               <a:rPr lang="pt-BR" smtClean="0"/>
-              <a:t>11/05/2022</a:t>
+              <a:t>08/06/2022</a:t>
             </a:fld>
             <a:endParaRPr lang="pt-BR"/>
           </a:p>
@@ -3047,7 +3056,7 @@
           <a:p>
             <a:fld id="{D2821F6D-D560-4037-BF0E-81C5DBAD212C}" type="datetimeFigureOut">
               <a:rPr lang="pt-BR" smtClean="0"/>
-              <a:t>11/05/2022</a:t>
+              <a:t>08/06/2022</a:t>
             </a:fld>
             <a:endParaRPr lang="pt-BR"/>
           </a:p>
@@ -3231,7 +3240,7 @@
           <a:p>
             <a:fld id="{D2821F6D-D560-4037-BF0E-81C5DBAD212C}" type="datetimeFigureOut">
               <a:rPr lang="pt-BR" smtClean="0"/>
-              <a:t>11/05/2022</a:t>
+              <a:t>08/06/2022</a:t>
             </a:fld>
             <a:endParaRPr lang="pt-BR"/>
           </a:p>
@@ -3401,7 +3410,7 @@
           <a:p>
             <a:fld id="{D2821F6D-D560-4037-BF0E-81C5DBAD212C}" type="datetimeFigureOut">
               <a:rPr lang="pt-BR" smtClean="0"/>
-              <a:t>11/05/2022</a:t>
+              <a:t>08/06/2022</a:t>
             </a:fld>
             <a:endParaRPr lang="pt-BR"/>
           </a:p>
@@ -3645,7 +3654,7 @@
           <a:p>
             <a:fld id="{D2821F6D-D560-4037-BF0E-81C5DBAD212C}" type="datetimeFigureOut">
               <a:rPr lang="pt-BR" smtClean="0"/>
-              <a:t>11/05/2022</a:t>
+              <a:t>08/06/2022</a:t>
             </a:fld>
             <a:endParaRPr lang="pt-BR"/>
           </a:p>
@@ -3881,7 +3890,7 @@
           <a:p>
             <a:fld id="{D2821F6D-D560-4037-BF0E-81C5DBAD212C}" type="datetimeFigureOut">
               <a:rPr lang="pt-BR" smtClean="0"/>
-              <a:t>11/05/2022</a:t>
+              <a:t>08/06/2022</a:t>
             </a:fld>
             <a:endParaRPr lang="pt-BR"/>
           </a:p>
@@ -4347,7 +4356,7 @@
           <a:p>
             <a:fld id="{D2821F6D-D560-4037-BF0E-81C5DBAD212C}" type="datetimeFigureOut">
               <a:rPr lang="pt-BR" smtClean="0"/>
-              <a:t>11/05/2022</a:t>
+              <a:t>08/06/2022</a:t>
             </a:fld>
             <a:endParaRPr lang="pt-BR"/>
           </a:p>
@@ -4465,7 +4474,7 @@
           <a:p>
             <a:fld id="{D2821F6D-D560-4037-BF0E-81C5DBAD212C}" type="datetimeFigureOut">
               <a:rPr lang="pt-BR" smtClean="0"/>
-              <a:t>11/05/2022</a:t>
+              <a:t>08/06/2022</a:t>
             </a:fld>
             <a:endParaRPr lang="pt-BR"/>
           </a:p>
@@ -4560,7 +4569,7 @@
           <a:p>
             <a:fld id="{D2821F6D-D560-4037-BF0E-81C5DBAD212C}" type="datetimeFigureOut">
               <a:rPr lang="pt-BR" smtClean="0"/>
-              <a:t>11/05/2022</a:t>
+              <a:t>08/06/2022</a:t>
             </a:fld>
             <a:endParaRPr lang="pt-BR"/>
           </a:p>
@@ -4815,7 +4824,7 @@
           <a:p>
             <a:fld id="{D2821F6D-D560-4037-BF0E-81C5DBAD212C}" type="datetimeFigureOut">
               <a:rPr lang="pt-BR" smtClean="0"/>
-              <a:t>11/05/2022</a:t>
+              <a:t>08/06/2022</a:t>
             </a:fld>
             <a:endParaRPr lang="pt-BR"/>
           </a:p>
@@ -5115,7 +5124,7 @@
           <a:p>
             <a:fld id="{D2821F6D-D560-4037-BF0E-81C5DBAD212C}" type="datetimeFigureOut">
               <a:rPr lang="pt-BR" smtClean="0"/>
-              <a:t>11/05/2022</a:t>
+              <a:t>08/06/2022</a:t>
             </a:fld>
             <a:endParaRPr lang="pt-BR"/>
           </a:p>
@@ -5349,7 +5358,7 @@
           <a:p>
             <a:fld id="{D2821F6D-D560-4037-BF0E-81C5DBAD212C}" type="datetimeFigureOut">
               <a:rPr lang="pt-BR" smtClean="0"/>
-              <a:t>11/05/2022</a:t>
+              <a:t>08/06/2022</a:t>
             </a:fld>
             <a:endParaRPr lang="pt-BR"/>
           </a:p>
@@ -6081,33 +6090,33 @@
         </p:nvSpPr>
         <p:spPr>
           <a:xfrm>
-            <a:off x="315104" y="4055538"/>
-            <a:ext cx="9493913" cy="1439175"/>
+            <a:off x="797243" y="4063850"/>
+            <a:ext cx="4905289" cy="1613742"/>
           </a:xfrm>
         </p:spPr>
         <p:txBody>
           <a:bodyPr>
-            <a:normAutofit fontScale="77500" lnSpcReduction="20000"/>
+            <a:noAutofit/>
           </a:bodyPr>
           <a:lstStyle/>
           <a:p>
             <a:pPr algn="l"/>
             <a:r>
-              <a:rPr lang="pt-BR" sz="3300" dirty="0"/>
+              <a:rPr lang="pt-BR" sz="2400" dirty="0"/>
               <a:t>Carlos Augusto Silva de Proença</a:t>
             </a:r>
           </a:p>
           <a:p>
             <a:pPr algn="l"/>
             <a:r>
-              <a:rPr lang="pt-BR" sz="3300" dirty="0"/>
+              <a:rPr lang="pt-BR" sz="2400" dirty="0"/>
               <a:t>Laboratório de estatística</a:t>
             </a:r>
           </a:p>
           <a:p>
             <a:pPr algn="l"/>
             <a:r>
-              <a:rPr lang="pt-BR" sz="3300" dirty="0"/>
+              <a:rPr lang="pt-BR" sz="2400" dirty="0"/>
               <a:t>Prof. Dr. Mario Tarumoto</a:t>
             </a:r>
           </a:p>
@@ -6145,7 +6154,7 @@
         </p:blipFill>
         <p:spPr bwMode="auto">
           <a:xfrm>
-            <a:off x="315105" y="260638"/>
+            <a:off x="454429" y="767715"/>
             <a:ext cx="4328965" cy="2183304"/>
           </a:xfrm>
           <a:prstGeom prst="rect">
@@ -6198,7 +6207,7 @@
           <p:cNvPr id="2" name="Título 1">
             <a:extLst>
               <a:ext uri="{FF2B5EF4-FFF2-40B4-BE49-F238E27FC236}">
-                <a16:creationId xmlns:a16="http://schemas.microsoft.com/office/drawing/2014/main" id="{603649E7-4CAC-1A1B-A725-111664B5C84A}"/>
+                <a16:creationId xmlns:a16="http://schemas.microsoft.com/office/drawing/2014/main" id="{6CDCFBEE-F4EA-C93A-EB5E-B765234C8081}"/>
               </a:ext>
             </a:extLst>
           </p:cNvPr>
@@ -6216,8 +6225,353 @@
           <a:p>
             <a:r>
               <a:rPr lang="pt-BR" dirty="0"/>
-              <a:t>Exemplos de Teste</a:t>
-            </a:r>
+              <a:t>Mudando a target</a:t>
+            </a:r>
+          </a:p>
+        </p:txBody>
+      </p:sp>
+      <mc:AlternateContent xmlns:mc="http://schemas.openxmlformats.org/markup-compatibility/2006" xmlns:a14="http://schemas.microsoft.com/office/drawing/2010/main">
+        <mc:Choice Requires="a14">
+          <p:sp>
+            <p:nvSpPr>
+              <p:cNvPr id="3" name="Espaço Reservado para Conteúdo 2">
+                <a:extLst>
+                  <a:ext uri="{FF2B5EF4-FFF2-40B4-BE49-F238E27FC236}">
+                    <a16:creationId xmlns:a16="http://schemas.microsoft.com/office/drawing/2014/main" id="{8E6B0A4F-E108-B786-E4A0-6FDC90DD5A50}"/>
+                  </a:ext>
+                </a:extLst>
+              </p:cNvPr>
+              <p:cNvSpPr>
+                <a:spLocks noGrp="1"/>
+              </p:cNvSpPr>
+              <p:nvPr>
+                <p:ph idx="1"/>
+              </p:nvPr>
+            </p:nvSpPr>
+            <p:spPr>
+              <a:xfrm>
+                <a:off x="922108" y="1732449"/>
+                <a:ext cx="10353762" cy="4058751"/>
+              </a:xfrm>
+            </p:spPr>
+            <p:txBody>
+              <a:bodyPr>
+                <a:normAutofit/>
+              </a:bodyPr>
+              <a:lstStyle/>
+              <a:p>
+                <a:endParaRPr lang="pt-BR" sz="2800" dirty="0"/>
+              </a:p>
+              <a:p>
+                <a:endParaRPr lang="pt-BR" sz="2800" dirty="0"/>
+              </a:p>
+              <a:p>
+                <a:r>
+                  <a:rPr lang="pt-BR" sz="2800" dirty="0"/>
+                  <a:t>Rating </a:t>
+                </a:r>
+                <a14:m>
+                  <m:oMath xmlns:m="http://schemas.openxmlformats.org/officeDocument/2006/math">
+                    <m:r>
+                      <a:rPr lang="pt-BR" sz="2800" i="1" dirty="0" smtClean="0">
+                        <a:latin typeface="Cambria Math" panose="02040503050406030204" pitchFamily="18" charset="0"/>
+                        <a:ea typeface="Cambria Math" panose="02040503050406030204" pitchFamily="18" charset="0"/>
+                      </a:rPr>
+                      <m:t>≤</m:t>
+                    </m:r>
+                  </m:oMath>
+                </a14:m>
+                <a:r>
+                  <a:rPr lang="pt-BR" sz="2800" dirty="0"/>
+                  <a:t> 5			 Ruim</a:t>
+                </a:r>
+              </a:p>
+              <a:p>
+                <a:r>
+                  <a:rPr lang="pt-BR" sz="2800" dirty="0"/>
+                  <a:t>Rating </a:t>
+                </a:r>
+                <a14:m>
+                  <m:oMath xmlns:m="http://schemas.openxmlformats.org/officeDocument/2006/math">
+                    <m:r>
+                      <a:rPr lang="pt-BR" sz="2800" i="1" dirty="0" smtClean="0">
+                        <a:latin typeface="Cambria Math" panose="02040503050406030204" pitchFamily="18" charset="0"/>
+                      </a:rPr>
+                      <m:t>&gt;</m:t>
+                    </m:r>
+                  </m:oMath>
+                </a14:m>
+                <a:r>
+                  <a:rPr lang="pt-BR" sz="2800" dirty="0"/>
+                  <a:t> 5 e </a:t>
+                </a:r>
+                <a14:m>
+                  <m:oMath xmlns:m="http://schemas.openxmlformats.org/officeDocument/2006/math">
+                    <m:r>
+                      <a:rPr lang="pt-BR" sz="2800" i="1" dirty="0" smtClean="0">
+                        <a:latin typeface="Cambria Math" panose="02040503050406030204" pitchFamily="18" charset="0"/>
+                      </a:rPr>
+                      <m:t>&lt;</m:t>
+                    </m:r>
+                    <m:r>
+                      <a:rPr lang="pt-BR" sz="2800" b="0" i="1" dirty="0" smtClean="0">
+                        <a:latin typeface="Cambria Math" panose="02040503050406030204" pitchFamily="18" charset="0"/>
+                      </a:rPr>
+                      <m:t> </m:t>
+                    </m:r>
+                  </m:oMath>
+                </a14:m>
+                <a:r>
+                  <a:rPr lang="pt-BR" sz="2800" dirty="0"/>
+                  <a:t>7  		 	 Médio</a:t>
+                </a:r>
+              </a:p>
+              <a:p>
+                <a:r>
+                  <a:rPr lang="pt-BR" sz="2800" dirty="0"/>
+                  <a:t>Rating </a:t>
+                </a:r>
+                <a14:m>
+                  <m:oMath xmlns:m="http://schemas.openxmlformats.org/officeDocument/2006/math">
+                    <m:r>
+                      <a:rPr lang="pt-BR" sz="2800" i="1" dirty="0" smtClean="0">
+                        <a:latin typeface="Cambria Math" panose="02040503050406030204" pitchFamily="18" charset="0"/>
+                        <a:ea typeface="Cambria Math" panose="02040503050406030204" pitchFamily="18" charset="0"/>
+                      </a:rPr>
+                      <m:t>≥</m:t>
+                    </m:r>
+                  </m:oMath>
+                </a14:m>
+                <a:r>
+                  <a:rPr lang="pt-BR" sz="2800" dirty="0"/>
+                  <a:t> 7 			 Bom</a:t>
+                </a:r>
+              </a:p>
+            </p:txBody>
+          </p:sp>
+        </mc:Choice>
+        <mc:Fallback xmlns="">
+          <p:sp>
+            <p:nvSpPr>
+              <p:cNvPr id="3" name="Espaço Reservado para Conteúdo 2">
+                <a:extLst>
+                  <a:ext uri="{FF2B5EF4-FFF2-40B4-BE49-F238E27FC236}">
+                    <a16:creationId xmlns:a16="http://schemas.microsoft.com/office/drawing/2014/main" id="{8E6B0A4F-E108-B786-E4A0-6FDC90DD5A50}"/>
+                  </a:ext>
+                </a:extLst>
+              </p:cNvPr>
+              <p:cNvSpPr>
+                <a:spLocks noGrp="1" noRot="1" noChangeAspect="1" noMove="1" noResize="1" noEditPoints="1" noAdjustHandles="1" noChangeArrowheads="1" noChangeShapeType="1" noTextEdit="1"/>
+              </p:cNvSpPr>
+              <p:nvPr>
+                <p:ph idx="1"/>
+              </p:nvPr>
+            </p:nvSpPr>
+            <p:spPr>
+              <a:xfrm>
+                <a:off x="922108" y="1732449"/>
+                <a:ext cx="10353762" cy="4058751"/>
+              </a:xfrm>
+              <a:blipFill>
+                <a:blip r:embed="rId2"/>
+                <a:stretch>
+                  <a:fillRect/>
+                </a:stretch>
+              </a:blipFill>
+            </p:spPr>
+            <p:txBody>
+              <a:bodyPr/>
+              <a:lstStyle/>
+              <a:p>
+                <a:r>
+                  <a:rPr lang="pt-BR">
+                    <a:noFill/>
+                  </a:rPr>
+                  <a:t> </a:t>
+                </a:r>
+              </a:p>
+            </p:txBody>
+          </p:sp>
+        </mc:Fallback>
+      </mc:AlternateContent>
+      <p:cxnSp>
+        <p:nvCxnSpPr>
+          <p:cNvPr id="5" name="Conector de Seta Reta 4">
+            <a:extLst>
+              <a:ext uri="{FF2B5EF4-FFF2-40B4-BE49-F238E27FC236}">
+                <a16:creationId xmlns:a16="http://schemas.microsoft.com/office/drawing/2014/main" id="{9F7B5EFC-3D3E-A1AB-7054-2BCF936B841E}"/>
+              </a:ext>
+            </a:extLst>
+          </p:cNvPr>
+          <p:cNvCxnSpPr/>
+          <p:nvPr/>
+        </p:nvCxnSpPr>
+        <p:spPr>
+          <a:xfrm>
+            <a:off x="4171601" y="3773977"/>
+            <a:ext cx="839586" cy="0"/>
+          </a:xfrm>
+          <a:prstGeom prst="straightConnector1">
+            <a:avLst/>
+          </a:prstGeom>
+          <a:ln w="57150">
+            <a:tailEnd type="triangle"/>
+          </a:ln>
+        </p:spPr>
+        <p:style>
+          <a:lnRef idx="3">
+            <a:schemeClr val="accent5"/>
+          </a:lnRef>
+          <a:fillRef idx="0">
+            <a:schemeClr val="accent5"/>
+          </a:fillRef>
+          <a:effectRef idx="2">
+            <a:schemeClr val="accent5"/>
+          </a:effectRef>
+          <a:fontRef idx="minor">
+            <a:schemeClr val="tx1"/>
+          </a:fontRef>
+        </p:style>
+      </p:cxnSp>
+      <p:cxnSp>
+        <p:nvCxnSpPr>
+          <p:cNvPr id="6" name="Conector de Seta Reta 5">
+            <a:extLst>
+              <a:ext uri="{FF2B5EF4-FFF2-40B4-BE49-F238E27FC236}">
+                <a16:creationId xmlns:a16="http://schemas.microsoft.com/office/drawing/2014/main" id="{2A09C47A-B71E-99FD-7048-46166CD4E9EA}"/>
+              </a:ext>
+            </a:extLst>
+          </p:cNvPr>
+          <p:cNvCxnSpPr/>
+          <p:nvPr/>
+        </p:nvCxnSpPr>
+        <p:spPr>
+          <a:xfrm>
+            <a:off x="3332015" y="4391891"/>
+            <a:ext cx="839586" cy="0"/>
+          </a:xfrm>
+          <a:prstGeom prst="straightConnector1">
+            <a:avLst/>
+          </a:prstGeom>
+          <a:ln w="57150">
+            <a:tailEnd type="triangle"/>
+          </a:ln>
+        </p:spPr>
+        <p:style>
+          <a:lnRef idx="3">
+            <a:schemeClr val="accent5"/>
+          </a:lnRef>
+          <a:fillRef idx="0">
+            <a:schemeClr val="accent5"/>
+          </a:fillRef>
+          <a:effectRef idx="2">
+            <a:schemeClr val="accent5"/>
+          </a:effectRef>
+          <a:fontRef idx="minor">
+            <a:schemeClr val="tx1"/>
+          </a:fontRef>
+        </p:style>
+      </p:cxnSp>
+      <p:cxnSp>
+        <p:nvCxnSpPr>
+          <p:cNvPr id="7" name="Conector de Seta Reta 6">
+            <a:extLst>
+              <a:ext uri="{FF2B5EF4-FFF2-40B4-BE49-F238E27FC236}">
+                <a16:creationId xmlns:a16="http://schemas.microsoft.com/office/drawing/2014/main" id="{56CCC347-6251-EA9A-4C23-A839066BF50C}"/>
+              </a:ext>
+            </a:extLst>
+          </p:cNvPr>
+          <p:cNvCxnSpPr/>
+          <p:nvPr/>
+        </p:nvCxnSpPr>
+        <p:spPr>
+          <a:xfrm>
+            <a:off x="3332015" y="3172691"/>
+            <a:ext cx="839586" cy="0"/>
+          </a:xfrm>
+          <a:prstGeom prst="straightConnector1">
+            <a:avLst/>
+          </a:prstGeom>
+          <a:ln w="57150">
+            <a:tailEnd type="triangle"/>
+          </a:ln>
+        </p:spPr>
+        <p:style>
+          <a:lnRef idx="3">
+            <a:schemeClr val="accent5"/>
+          </a:lnRef>
+          <a:fillRef idx="0">
+            <a:schemeClr val="accent5"/>
+          </a:fillRef>
+          <a:effectRef idx="2">
+            <a:schemeClr val="accent5"/>
+          </a:effectRef>
+          <a:fontRef idx="minor">
+            <a:schemeClr val="tx1"/>
+          </a:fontRef>
+        </p:style>
+      </p:cxnSp>
+    </p:spTree>
+    <p:extLst>
+      <p:ext uri="{BB962C8B-B14F-4D97-AF65-F5344CB8AC3E}">
+        <p14:creationId xmlns:p14="http://schemas.microsoft.com/office/powerpoint/2010/main" val="3029773953"/>
+      </p:ext>
+    </p:extLst>
+  </p:cSld>
+  <p:clrMapOvr>
+    <a:masterClrMapping/>
+  </p:clrMapOvr>
+</p:sld>
+</file>
+
+<file path=ppt/slides/slide11.xml><?xml version="1.0" encoding="utf-8"?>
+<p:sld xmlns:a="http://schemas.openxmlformats.org/drawingml/2006/main" xmlns:r="http://schemas.openxmlformats.org/officeDocument/2006/relationships" xmlns:p="http://schemas.openxmlformats.org/presentationml/2006/main">
+  <p:cSld>
+    <p:spTree>
+      <p:nvGrpSpPr>
+        <p:cNvPr id="1" name=""/>
+        <p:cNvGrpSpPr/>
+        <p:nvPr/>
+      </p:nvGrpSpPr>
+      <p:grpSpPr>
+        <a:xfrm>
+          <a:off x="0" y="0"/>
+          <a:ext cx="0" cy="0"/>
+          <a:chOff x="0" y="0"/>
+          <a:chExt cx="0" cy="0"/>
+        </a:xfrm>
+      </p:grpSpPr>
+      <p:sp>
+        <p:nvSpPr>
+          <p:cNvPr id="2" name="Título 1">
+            <a:extLst>
+              <a:ext uri="{FF2B5EF4-FFF2-40B4-BE49-F238E27FC236}">
+                <a16:creationId xmlns:a16="http://schemas.microsoft.com/office/drawing/2014/main" id="{9EBD4F90-4252-325F-B9E5-09BA9CCA1E4D}"/>
+              </a:ext>
+            </a:extLst>
+          </p:cNvPr>
+          <p:cNvSpPr>
+            <a:spLocks noGrp="1"/>
+          </p:cNvSpPr>
+          <p:nvPr>
+            <p:ph type="title"/>
+          </p:nvPr>
+        </p:nvSpPr>
+        <p:spPr/>
+        <p:txBody>
+          <a:bodyPr>
+            <a:normAutofit fontScale="90000"/>
+          </a:bodyPr>
+          <a:lstStyle/>
+          <a:p>
+            <a:r>
+              <a:rPr lang="pt-BR" dirty="0"/>
+              <a:t>Modelagem</a:t>
+            </a:r>
+            <a:br>
+              <a:rPr lang="pt-BR" dirty="0"/>
+            </a:br>
+            <a:endParaRPr lang="pt-BR" dirty="0"/>
           </a:p>
         </p:txBody>
       </p:sp>
@@ -6226,7 +6580,7 @@
           <p:cNvPr id="3" name="Espaço Reservado para Conteúdo 2">
             <a:extLst>
               <a:ext uri="{FF2B5EF4-FFF2-40B4-BE49-F238E27FC236}">
-                <a16:creationId xmlns:a16="http://schemas.microsoft.com/office/drawing/2014/main" id="{DAC11007-7EB5-3536-1993-B7CBFB6EB8A1}"/>
+                <a16:creationId xmlns:a16="http://schemas.microsoft.com/office/drawing/2014/main" id="{4933E11A-B343-A522-73C8-407CEB3D0887}"/>
               </a:ext>
             </a:extLst>
           </p:cNvPr>
@@ -6237,12 +6591,2526 @@
             <p:ph idx="1"/>
           </p:nvPr>
         </p:nvSpPr>
+        <p:spPr>
+          <a:xfrm>
+            <a:off x="827679" y="1657634"/>
+            <a:ext cx="3702757" cy="4058751"/>
+          </a:xfrm>
+        </p:spPr>
+        <p:txBody>
+          <a:bodyPr>
+            <a:normAutofit/>
+          </a:bodyPr>
+          <a:lstStyle/>
+          <a:p>
+            <a:r>
+              <a:rPr lang="pt-BR" dirty="0"/>
+              <a:t>Novamente avaliamos os modelos e escolhemos o melhor para Tunar</a:t>
+            </a:r>
+          </a:p>
+          <a:p>
+            <a:endParaRPr lang="pt-BR" dirty="0"/>
+          </a:p>
+          <a:p>
+            <a:r>
+              <a:rPr lang="pt-BR" dirty="0"/>
+              <a:t>Light Gradiente </a:t>
+            </a:r>
+            <a:r>
+              <a:rPr lang="pt-BR" dirty="0" err="1"/>
+              <a:t>Boosting</a:t>
+            </a:r>
+            <a:r>
+              <a:rPr lang="pt-BR" dirty="0"/>
+              <a:t> </a:t>
+            </a:r>
+            <a:r>
+              <a:rPr lang="pt-BR" dirty="0" err="1"/>
+              <a:t>Machine</a:t>
+            </a:r>
+            <a:endParaRPr lang="pt-BR" dirty="0"/>
+          </a:p>
+          <a:p>
+            <a:endParaRPr lang="pt-BR" dirty="0"/>
+          </a:p>
+        </p:txBody>
+      </p:sp>
+      <p:graphicFrame>
+        <p:nvGraphicFramePr>
+          <p:cNvPr id="5" name="Tabela 4">
+            <a:extLst>
+              <a:ext uri="{FF2B5EF4-FFF2-40B4-BE49-F238E27FC236}">
+                <a16:creationId xmlns:a16="http://schemas.microsoft.com/office/drawing/2014/main" id="{FEA63FE7-00A5-A5FC-00FE-6B991C41C255}"/>
+              </a:ext>
+            </a:extLst>
+          </p:cNvPr>
+          <p:cNvGraphicFramePr>
+            <a:graphicFrameLocks noGrp="1"/>
+          </p:cNvGraphicFramePr>
+          <p:nvPr>
+            <p:extLst>
+              <p:ext uri="{D42A27DB-BD31-4B8C-83A1-F6EECF244321}">
+                <p14:modId xmlns:p14="http://schemas.microsoft.com/office/powerpoint/2010/main" val="2546714314"/>
+              </p:ext>
+            </p:extLst>
+          </p:nvPr>
+        </p:nvGraphicFramePr>
+        <p:xfrm>
+          <a:off x="4862947" y="1421959"/>
+          <a:ext cx="6799810" cy="4826441"/>
+        </p:xfrm>
+        <a:graphic>
+          <a:graphicData uri="http://schemas.openxmlformats.org/drawingml/2006/table">
+            <a:tbl>
+              <a:tblPr/>
+              <a:tblGrid>
+                <a:gridCol w="1243394">
+                  <a:extLst>
+                    <a:ext uri="{9D8B030D-6E8A-4147-A177-3AD203B41FA5}">
+                      <a16:colId xmlns:a16="http://schemas.microsoft.com/office/drawing/2014/main" val="1424490257"/>
+                    </a:ext>
+                  </a:extLst>
+                </a:gridCol>
+                <a:gridCol w="1255876">
+                  <a:extLst>
+                    <a:ext uri="{9D8B030D-6E8A-4147-A177-3AD203B41FA5}">
+                      <a16:colId xmlns:a16="http://schemas.microsoft.com/office/drawing/2014/main" val="2287224687"/>
+                    </a:ext>
+                  </a:extLst>
+                </a:gridCol>
+                <a:gridCol w="900637">
+                  <a:extLst>
+                    <a:ext uri="{9D8B030D-6E8A-4147-A177-3AD203B41FA5}">
+                      <a16:colId xmlns:a16="http://schemas.microsoft.com/office/drawing/2014/main" val="2280979365"/>
+                    </a:ext>
+                  </a:extLst>
+                </a:gridCol>
+                <a:gridCol w="1133301">
+                  <a:extLst>
+                    <a:ext uri="{9D8B030D-6E8A-4147-A177-3AD203B41FA5}">
+                      <a16:colId xmlns:a16="http://schemas.microsoft.com/office/drawing/2014/main" val="3431885850"/>
+                    </a:ext>
+                  </a:extLst>
+                </a:gridCol>
+                <a:gridCol w="1133301">
+                  <a:extLst>
+                    <a:ext uri="{9D8B030D-6E8A-4147-A177-3AD203B41FA5}">
+                      <a16:colId xmlns:a16="http://schemas.microsoft.com/office/drawing/2014/main" val="4247629061"/>
+                    </a:ext>
+                  </a:extLst>
+                </a:gridCol>
+                <a:gridCol w="1133301">
+                  <a:extLst>
+                    <a:ext uri="{9D8B030D-6E8A-4147-A177-3AD203B41FA5}">
+                      <a16:colId xmlns:a16="http://schemas.microsoft.com/office/drawing/2014/main" val="2969847030"/>
+                    </a:ext>
+                  </a:extLst>
+                </a:gridCol>
+              </a:tblGrid>
+              <a:tr h="377910">
+                <a:tc>
+                  <a:txBody>
+                    <a:bodyPr/>
+                    <a:lstStyle/>
+                    <a:p>
+                      <a:pPr algn="l" fontAlgn="ctr"/>
+                      <a:br>
+                        <a:rPr lang="pt-BR" sz="1600">
+                          <a:effectLst/>
+                        </a:rPr>
+                      </a:br>
+                      <a:r>
+                        <a:rPr lang="pt-BR" sz="1600">
+                          <a:effectLst/>
+                        </a:rPr>
+                        <a:t>Model</a:t>
+                      </a:r>
+                    </a:p>
+                  </a:txBody>
+                  <a:tcPr marL="76200" marR="76200" marT="38100" marB="38100" anchor="ctr">
+                    <a:lnL>
+                      <a:noFill/>
+                    </a:lnL>
+                    <a:lnR>
+                      <a:noFill/>
+                    </a:lnR>
+                    <a:lnT>
+                      <a:noFill/>
+                    </a:lnT>
+                    <a:lnB>
+                      <a:noFill/>
+                    </a:lnB>
+                  </a:tcPr>
+                </a:tc>
+                <a:tc>
+                  <a:txBody>
+                    <a:bodyPr/>
+                    <a:lstStyle/>
+                    <a:p>
+                      <a:pPr algn="l" fontAlgn="ctr"/>
+                      <a:r>
+                        <a:rPr lang="pt-BR" sz="1600" dirty="0" err="1">
+                          <a:effectLst/>
+                        </a:rPr>
+                        <a:t>Accuracy</a:t>
+                      </a:r>
+                      <a:endParaRPr lang="pt-BR" sz="1600" dirty="0">
+                        <a:effectLst/>
+                      </a:endParaRPr>
+                    </a:p>
+                  </a:txBody>
+                  <a:tcPr marL="76200" marR="76200" marT="38100" marB="38100" anchor="ctr">
+                    <a:lnL>
+                      <a:noFill/>
+                    </a:lnL>
+                    <a:lnR>
+                      <a:noFill/>
+                    </a:lnR>
+                    <a:lnT>
+                      <a:noFill/>
+                    </a:lnT>
+                    <a:lnB>
+                      <a:noFill/>
+                    </a:lnB>
+                  </a:tcPr>
+                </a:tc>
+                <a:tc>
+                  <a:txBody>
+                    <a:bodyPr/>
+                    <a:lstStyle/>
+                    <a:p>
+                      <a:pPr algn="l" fontAlgn="ctr"/>
+                      <a:r>
+                        <a:rPr lang="pt-BR" sz="1600">
+                          <a:effectLst/>
+                        </a:rPr>
+                        <a:t>AUC</a:t>
+                      </a:r>
+                    </a:p>
+                  </a:txBody>
+                  <a:tcPr marL="76200" marR="76200" marT="38100" marB="38100" anchor="ctr">
+                    <a:lnL>
+                      <a:noFill/>
+                    </a:lnL>
+                    <a:lnR>
+                      <a:noFill/>
+                    </a:lnR>
+                    <a:lnT>
+                      <a:noFill/>
+                    </a:lnT>
+                    <a:lnB>
+                      <a:noFill/>
+                    </a:lnB>
+                  </a:tcPr>
+                </a:tc>
+                <a:tc>
+                  <a:txBody>
+                    <a:bodyPr/>
+                    <a:lstStyle/>
+                    <a:p>
+                      <a:pPr algn="l" fontAlgn="ctr"/>
+                      <a:r>
+                        <a:rPr lang="pt-BR" sz="1600">
+                          <a:effectLst/>
+                        </a:rPr>
+                        <a:t>Recall</a:t>
+                      </a:r>
+                    </a:p>
+                  </a:txBody>
+                  <a:tcPr marL="76200" marR="76200" marT="38100" marB="38100" anchor="ctr">
+                    <a:lnL>
+                      <a:noFill/>
+                    </a:lnL>
+                    <a:lnR>
+                      <a:noFill/>
+                    </a:lnR>
+                    <a:lnT>
+                      <a:noFill/>
+                    </a:lnT>
+                    <a:lnB>
+                      <a:noFill/>
+                    </a:lnB>
+                  </a:tcPr>
+                </a:tc>
+                <a:tc>
+                  <a:txBody>
+                    <a:bodyPr/>
+                    <a:lstStyle/>
+                    <a:p>
+                      <a:pPr algn="l" fontAlgn="ctr"/>
+                      <a:r>
+                        <a:rPr lang="pt-BR" sz="1600">
+                          <a:effectLst/>
+                        </a:rPr>
+                        <a:t>Prec.</a:t>
+                      </a:r>
+                    </a:p>
+                  </a:txBody>
+                  <a:tcPr marL="76200" marR="76200" marT="38100" marB="38100" anchor="ctr">
+                    <a:lnL>
+                      <a:noFill/>
+                    </a:lnL>
+                    <a:lnR>
+                      <a:noFill/>
+                    </a:lnR>
+                    <a:lnT>
+                      <a:noFill/>
+                    </a:lnT>
+                    <a:lnB>
+                      <a:noFill/>
+                    </a:lnB>
+                  </a:tcPr>
+                </a:tc>
+                <a:tc>
+                  <a:txBody>
+                    <a:bodyPr/>
+                    <a:lstStyle/>
+                    <a:p>
+                      <a:pPr algn="l" fontAlgn="ctr"/>
+                      <a:r>
+                        <a:rPr lang="pt-BR" sz="1600">
+                          <a:effectLst/>
+                        </a:rPr>
+                        <a:t>F1</a:t>
+                      </a:r>
+                    </a:p>
+                  </a:txBody>
+                  <a:tcPr marL="76200" marR="76200" marT="38100" marB="38100" anchor="ctr">
+                    <a:lnL>
+                      <a:noFill/>
+                    </a:lnL>
+                    <a:lnR>
+                      <a:noFill/>
+                    </a:lnR>
+                    <a:lnT>
+                      <a:noFill/>
+                    </a:lnT>
+                    <a:lnB>
+                      <a:noFill/>
+                    </a:lnB>
+                  </a:tcPr>
+                </a:tc>
+                <a:extLst>
+                  <a:ext uri="{0D108BD9-81ED-4DB2-BD59-A6C34878D82A}">
+                    <a16:rowId xmlns:a16="http://schemas.microsoft.com/office/drawing/2014/main" val="2144826409"/>
+                  </a:ext>
+                </a:extLst>
+              </a:tr>
+              <a:tr h="1409506">
+                <a:tc>
+                  <a:txBody>
+                    <a:bodyPr/>
+                    <a:lstStyle/>
+                    <a:p>
+                      <a:pPr marL="0" marR="0" lvl="0" indent="0" algn="l" defTabSz="457200" rtl="0" eaLnBrk="1" fontAlgn="ctr" latinLnBrk="0" hangingPunct="1">
+                        <a:lnSpc>
+                          <a:spcPct val="100000"/>
+                        </a:lnSpc>
+                        <a:spcBef>
+                          <a:spcPts val="0"/>
+                        </a:spcBef>
+                        <a:spcAft>
+                          <a:spcPts val="0"/>
+                        </a:spcAft>
+                        <a:buClrTx/>
+                        <a:buSzTx/>
+                        <a:buFontTx/>
+                        <a:buNone/>
+                        <a:tabLst/>
+                        <a:defRPr/>
+                      </a:pPr>
+                      <a:r>
+                        <a:rPr lang="pt-BR" sz="1600">
+                          <a:effectLst/>
+                        </a:rPr>
+                        <a:t>Light Gradient Boosting Machine</a:t>
+                      </a:r>
+                    </a:p>
+                    <a:p>
+                      <a:pPr algn="l" fontAlgn="ctr"/>
+                      <a:endParaRPr lang="pt-BR" sz="1600" b="0" dirty="0">
+                        <a:effectLst/>
+                      </a:endParaRPr>
+                    </a:p>
+                  </a:txBody>
+                  <a:tcPr marL="76200" marR="76200" marT="38100" marB="38100" anchor="ctr">
+                    <a:lnL>
+                      <a:noFill/>
+                    </a:lnL>
+                    <a:lnR>
+                      <a:noFill/>
+                    </a:lnR>
+                    <a:lnT>
+                      <a:noFill/>
+                    </a:lnT>
+                    <a:lnB>
+                      <a:noFill/>
+                    </a:lnB>
+                    <a:solidFill>
+                      <a:schemeClr val="bg1">
+                        <a:lumMod val="95000"/>
+                        <a:lumOff val="5000"/>
+                      </a:schemeClr>
+                    </a:solidFill>
+                  </a:tcPr>
+                </a:tc>
+                <a:tc>
+                  <a:txBody>
+                    <a:bodyPr/>
+                    <a:lstStyle/>
+                    <a:p>
+                      <a:pPr algn="l"/>
+                      <a:r>
+                        <a:rPr lang="pt-BR" sz="1600" dirty="0">
+                          <a:effectLst/>
+                        </a:rPr>
+                        <a:t>0.6529</a:t>
+                      </a:r>
+                    </a:p>
+                  </a:txBody>
+                  <a:tcPr marL="76200" marR="76200" marT="38100" marB="38100" anchor="ctr">
+                    <a:lnL>
+                      <a:noFill/>
+                    </a:lnL>
+                    <a:lnR>
+                      <a:noFill/>
+                    </a:lnR>
+                    <a:lnT>
+                      <a:noFill/>
+                    </a:lnT>
+                    <a:lnB>
+                      <a:noFill/>
+                    </a:lnB>
+                    <a:solidFill>
+                      <a:schemeClr val="bg1">
+                        <a:lumMod val="95000"/>
+                        <a:lumOff val="5000"/>
+                      </a:schemeClr>
+                    </a:solidFill>
+                  </a:tcPr>
+                </a:tc>
+                <a:tc>
+                  <a:txBody>
+                    <a:bodyPr/>
+                    <a:lstStyle/>
+                    <a:p>
+                      <a:pPr algn="l"/>
+                      <a:r>
+                        <a:rPr lang="pt-BR" sz="1600" dirty="0">
+                          <a:effectLst/>
+                        </a:rPr>
+                        <a:t>0.7659</a:t>
+                      </a:r>
+                    </a:p>
+                  </a:txBody>
+                  <a:tcPr marL="76200" marR="76200" marT="38100" marB="38100" anchor="ctr">
+                    <a:lnL>
+                      <a:noFill/>
+                    </a:lnL>
+                    <a:lnR>
+                      <a:noFill/>
+                    </a:lnR>
+                    <a:lnT>
+                      <a:noFill/>
+                    </a:lnT>
+                    <a:lnB>
+                      <a:noFill/>
+                    </a:lnB>
+                    <a:solidFill>
+                      <a:schemeClr val="bg1">
+                        <a:lumMod val="95000"/>
+                        <a:lumOff val="5000"/>
+                      </a:schemeClr>
+                    </a:solidFill>
+                  </a:tcPr>
+                </a:tc>
+                <a:tc>
+                  <a:txBody>
+                    <a:bodyPr/>
+                    <a:lstStyle/>
+                    <a:p>
+                      <a:pPr algn="l"/>
+                      <a:r>
+                        <a:rPr lang="pt-BR" sz="1600" dirty="0">
+                          <a:effectLst/>
+                        </a:rPr>
+                        <a:t>0.5535</a:t>
+                      </a:r>
+                    </a:p>
+                  </a:txBody>
+                  <a:tcPr marL="76200" marR="76200" marT="38100" marB="38100" anchor="ctr">
+                    <a:lnL>
+                      <a:noFill/>
+                    </a:lnL>
+                    <a:lnR>
+                      <a:noFill/>
+                    </a:lnR>
+                    <a:lnT>
+                      <a:noFill/>
+                    </a:lnT>
+                    <a:lnB>
+                      <a:noFill/>
+                    </a:lnB>
+                    <a:solidFill>
+                      <a:schemeClr val="bg1">
+                        <a:lumMod val="95000"/>
+                        <a:lumOff val="5000"/>
+                      </a:schemeClr>
+                    </a:solidFill>
+                  </a:tcPr>
+                </a:tc>
+                <a:tc>
+                  <a:txBody>
+                    <a:bodyPr/>
+                    <a:lstStyle/>
+                    <a:p>
+                      <a:pPr algn="l"/>
+                      <a:r>
+                        <a:rPr lang="pt-BR" sz="1600" dirty="0">
+                          <a:effectLst/>
+                        </a:rPr>
+                        <a:t>0.6521</a:t>
+                      </a:r>
+                    </a:p>
+                  </a:txBody>
+                  <a:tcPr marL="76200" marR="76200" marT="38100" marB="38100" anchor="ctr">
+                    <a:lnL>
+                      <a:noFill/>
+                    </a:lnL>
+                    <a:lnR>
+                      <a:noFill/>
+                    </a:lnR>
+                    <a:lnT>
+                      <a:noFill/>
+                    </a:lnT>
+                    <a:lnB>
+                      <a:noFill/>
+                    </a:lnB>
+                    <a:solidFill>
+                      <a:schemeClr val="bg1">
+                        <a:lumMod val="95000"/>
+                        <a:lumOff val="5000"/>
+                      </a:schemeClr>
+                    </a:solidFill>
+                  </a:tcPr>
+                </a:tc>
+                <a:tc>
+                  <a:txBody>
+                    <a:bodyPr/>
+                    <a:lstStyle/>
+                    <a:p>
+                      <a:pPr algn="l"/>
+                      <a:r>
+                        <a:rPr lang="pt-BR" sz="1800" b="0" i="0" kern="1200" dirty="0">
+                          <a:solidFill>
+                            <a:schemeClr val="tx1"/>
+                          </a:solidFill>
+                          <a:effectLst/>
+                          <a:latin typeface="+mn-lt"/>
+                          <a:ea typeface="+mn-ea"/>
+                          <a:cs typeface="+mn-cs"/>
+                        </a:rPr>
+                        <a:t>0.6339</a:t>
+                      </a:r>
+                      <a:endParaRPr lang="pt-BR" sz="1600" dirty="0">
+                        <a:effectLst/>
+                      </a:endParaRPr>
+                    </a:p>
+                  </a:txBody>
+                  <a:tcPr marL="76200" marR="76200" marT="38100" marB="38100" anchor="ctr">
+                    <a:lnL>
+                      <a:noFill/>
+                    </a:lnL>
+                    <a:lnR>
+                      <a:noFill/>
+                    </a:lnR>
+                    <a:lnT>
+                      <a:noFill/>
+                    </a:lnT>
+                    <a:lnB>
+                      <a:noFill/>
+                    </a:lnB>
+                    <a:solidFill>
+                      <a:schemeClr val="bg1">
+                        <a:lumMod val="95000"/>
+                        <a:lumOff val="5000"/>
+                      </a:schemeClr>
+                    </a:solidFill>
+                  </a:tcPr>
+                </a:tc>
+                <a:extLst>
+                  <a:ext uri="{0D108BD9-81ED-4DB2-BD59-A6C34878D82A}">
+                    <a16:rowId xmlns:a16="http://schemas.microsoft.com/office/drawing/2014/main" val="2358563192"/>
+                  </a:ext>
+                </a:extLst>
+              </a:tr>
+              <a:tr h="1065640">
+                <a:tc>
+                  <a:txBody>
+                    <a:bodyPr/>
+                    <a:lstStyle/>
+                    <a:p>
+                      <a:pPr algn="l"/>
+                      <a:r>
+                        <a:rPr lang="pt-BR" sz="1600" dirty="0" err="1">
+                          <a:effectLst/>
+                        </a:rPr>
+                        <a:t>Gradient</a:t>
+                      </a:r>
+                      <a:r>
+                        <a:rPr lang="pt-BR" sz="1600" dirty="0">
+                          <a:effectLst/>
+                        </a:rPr>
+                        <a:t> </a:t>
+                      </a:r>
+                      <a:r>
+                        <a:rPr lang="pt-BR" sz="1600" dirty="0" err="1">
+                          <a:effectLst/>
+                        </a:rPr>
+                        <a:t>Boosting</a:t>
+                      </a:r>
+                      <a:r>
+                        <a:rPr lang="pt-BR" sz="1600" dirty="0">
+                          <a:effectLst/>
+                        </a:rPr>
+                        <a:t> Classifier</a:t>
+                      </a:r>
+                    </a:p>
+                  </a:txBody>
+                  <a:tcPr marL="76200" marR="76200" marT="38100" marB="38100" anchor="ctr">
+                    <a:lnL>
+                      <a:noFill/>
+                    </a:lnL>
+                    <a:lnR>
+                      <a:noFill/>
+                    </a:lnR>
+                    <a:lnT>
+                      <a:noFill/>
+                    </a:lnT>
+                    <a:lnB>
+                      <a:noFill/>
+                    </a:lnB>
+                  </a:tcPr>
+                </a:tc>
+                <a:tc>
+                  <a:txBody>
+                    <a:bodyPr/>
+                    <a:lstStyle/>
+                    <a:p>
+                      <a:pPr algn="l"/>
+                      <a:r>
+                        <a:rPr lang="pt-BR" sz="1600" dirty="0">
+                          <a:effectLst/>
+                        </a:rPr>
+                        <a:t>0.6413</a:t>
+                      </a:r>
+                    </a:p>
+                  </a:txBody>
+                  <a:tcPr marL="76200" marR="76200" marT="38100" marB="38100" anchor="ctr">
+                    <a:lnL>
+                      <a:noFill/>
+                    </a:lnL>
+                    <a:lnR>
+                      <a:noFill/>
+                    </a:lnR>
+                    <a:lnT>
+                      <a:noFill/>
+                    </a:lnT>
+                    <a:lnB>
+                      <a:noFill/>
+                    </a:lnB>
+                  </a:tcPr>
+                </a:tc>
+                <a:tc>
+                  <a:txBody>
+                    <a:bodyPr/>
+                    <a:lstStyle/>
+                    <a:p>
+                      <a:pPr algn="l"/>
+                      <a:r>
+                        <a:rPr lang="pt-BR" sz="1600">
+                          <a:effectLst/>
+                        </a:rPr>
+                        <a:t>0.7495</a:t>
+                      </a:r>
+                    </a:p>
+                  </a:txBody>
+                  <a:tcPr marL="76200" marR="76200" marT="38100" marB="38100" anchor="ctr">
+                    <a:lnL>
+                      <a:noFill/>
+                    </a:lnL>
+                    <a:lnR>
+                      <a:noFill/>
+                    </a:lnR>
+                    <a:lnT>
+                      <a:noFill/>
+                    </a:lnT>
+                    <a:lnB>
+                      <a:noFill/>
+                    </a:lnB>
+                  </a:tcPr>
+                </a:tc>
+                <a:tc>
+                  <a:txBody>
+                    <a:bodyPr/>
+                    <a:lstStyle/>
+                    <a:p>
+                      <a:pPr algn="l"/>
+                      <a:r>
+                        <a:rPr lang="pt-BR" sz="1600" dirty="0">
+                          <a:effectLst/>
+                        </a:rPr>
+                        <a:t>0.5224</a:t>
+                      </a:r>
+                    </a:p>
+                  </a:txBody>
+                  <a:tcPr marL="76200" marR="76200" marT="38100" marB="38100" anchor="ctr">
+                    <a:lnL>
+                      <a:noFill/>
+                    </a:lnL>
+                    <a:lnR>
+                      <a:noFill/>
+                    </a:lnR>
+                    <a:lnT>
+                      <a:noFill/>
+                    </a:lnT>
+                    <a:lnB>
+                      <a:noFill/>
+                    </a:lnB>
+                  </a:tcPr>
+                </a:tc>
+                <a:tc>
+                  <a:txBody>
+                    <a:bodyPr/>
+                    <a:lstStyle/>
+                    <a:p>
+                      <a:pPr algn="l"/>
+                      <a:r>
+                        <a:rPr lang="pt-BR" sz="1600">
+                          <a:effectLst/>
+                        </a:rPr>
+                        <a:t>0.6443</a:t>
+                      </a:r>
+                    </a:p>
+                  </a:txBody>
+                  <a:tcPr marL="76200" marR="76200" marT="38100" marB="38100" anchor="ctr">
+                    <a:lnL>
+                      <a:noFill/>
+                    </a:lnL>
+                    <a:lnR>
+                      <a:noFill/>
+                    </a:lnR>
+                    <a:lnT>
+                      <a:noFill/>
+                    </a:lnT>
+                    <a:lnB>
+                      <a:noFill/>
+                    </a:lnB>
+                  </a:tcPr>
+                </a:tc>
+                <a:tc>
+                  <a:txBody>
+                    <a:bodyPr/>
+                    <a:lstStyle/>
+                    <a:p>
+                      <a:pPr algn="l"/>
+                      <a:r>
+                        <a:rPr lang="pt-BR" sz="1800" b="0" i="0" kern="1200" dirty="0">
+                          <a:solidFill>
+                            <a:schemeClr val="tx1"/>
+                          </a:solidFill>
+                          <a:effectLst/>
+                          <a:latin typeface="+mn-lt"/>
+                          <a:ea typeface="+mn-ea"/>
+                          <a:cs typeface="+mn-cs"/>
+                        </a:rPr>
+                        <a:t>0.6128</a:t>
+                      </a:r>
+                      <a:endParaRPr lang="pt-BR" sz="1600" dirty="0">
+                        <a:effectLst/>
+                      </a:endParaRPr>
+                    </a:p>
+                  </a:txBody>
+                  <a:tcPr marL="76200" marR="76200" marT="38100" marB="38100" anchor="ctr">
+                    <a:lnL>
+                      <a:noFill/>
+                    </a:lnL>
+                    <a:lnR>
+                      <a:noFill/>
+                    </a:lnR>
+                    <a:lnT>
+                      <a:noFill/>
+                    </a:lnT>
+                    <a:lnB>
+                      <a:noFill/>
+                    </a:lnB>
+                  </a:tcPr>
+                </a:tc>
+                <a:extLst>
+                  <a:ext uri="{0D108BD9-81ED-4DB2-BD59-A6C34878D82A}">
+                    <a16:rowId xmlns:a16="http://schemas.microsoft.com/office/drawing/2014/main" val="484605730"/>
+                  </a:ext>
+                </a:extLst>
+              </a:tr>
+              <a:tr h="1065640">
+                <a:tc>
+                  <a:txBody>
+                    <a:bodyPr/>
+                    <a:lstStyle/>
+                    <a:p>
+                      <a:pPr algn="l"/>
+                      <a:r>
+                        <a:rPr lang="pt-BR" sz="1600" dirty="0" err="1">
+                          <a:effectLst/>
+                        </a:rPr>
+                        <a:t>Random</a:t>
+                      </a:r>
+                      <a:r>
+                        <a:rPr lang="pt-BR" sz="1600" dirty="0">
+                          <a:effectLst/>
+                        </a:rPr>
+                        <a:t> Forest Classifier</a:t>
+                      </a:r>
+                    </a:p>
+                  </a:txBody>
+                  <a:tcPr marL="76200" marR="76200" marT="38100" marB="38100" anchor="ctr">
+                    <a:lnL>
+                      <a:noFill/>
+                    </a:lnL>
+                    <a:lnR>
+                      <a:noFill/>
+                    </a:lnR>
+                    <a:lnT>
+                      <a:noFill/>
+                    </a:lnT>
+                    <a:lnB>
+                      <a:noFill/>
+                    </a:lnB>
+                  </a:tcPr>
+                </a:tc>
+                <a:tc>
+                  <a:txBody>
+                    <a:bodyPr/>
+                    <a:lstStyle/>
+                    <a:p>
+                      <a:pPr algn="l"/>
+                      <a:r>
+                        <a:rPr lang="pt-BR" sz="1600">
+                          <a:effectLst/>
+                        </a:rPr>
+                        <a:t>0.6363</a:t>
+                      </a:r>
+                    </a:p>
+                  </a:txBody>
+                  <a:tcPr marL="76200" marR="76200" marT="38100" marB="38100" anchor="ctr">
+                    <a:lnL>
+                      <a:noFill/>
+                    </a:lnL>
+                    <a:lnR>
+                      <a:noFill/>
+                    </a:lnR>
+                    <a:lnT>
+                      <a:noFill/>
+                    </a:lnT>
+                    <a:lnB>
+                      <a:noFill/>
+                    </a:lnB>
+                  </a:tcPr>
+                </a:tc>
+                <a:tc>
+                  <a:txBody>
+                    <a:bodyPr/>
+                    <a:lstStyle/>
+                    <a:p>
+                      <a:pPr algn="l"/>
+                      <a:r>
+                        <a:rPr lang="pt-BR" sz="1600">
+                          <a:effectLst/>
+                        </a:rPr>
+                        <a:t>0.7423</a:t>
+                      </a:r>
+                    </a:p>
+                  </a:txBody>
+                  <a:tcPr marL="76200" marR="76200" marT="38100" marB="38100" anchor="ctr">
+                    <a:lnL>
+                      <a:noFill/>
+                    </a:lnL>
+                    <a:lnR>
+                      <a:noFill/>
+                    </a:lnR>
+                    <a:lnT>
+                      <a:noFill/>
+                    </a:lnT>
+                    <a:lnB>
+                      <a:noFill/>
+                    </a:lnB>
+                  </a:tcPr>
+                </a:tc>
+                <a:tc>
+                  <a:txBody>
+                    <a:bodyPr/>
+                    <a:lstStyle/>
+                    <a:p>
+                      <a:pPr algn="l"/>
+                      <a:r>
+                        <a:rPr lang="pt-BR" sz="1600" dirty="0">
+                          <a:effectLst/>
+                        </a:rPr>
+                        <a:t>0.5489</a:t>
+                      </a:r>
+                    </a:p>
+                  </a:txBody>
+                  <a:tcPr marL="76200" marR="76200" marT="38100" marB="38100" anchor="ctr">
+                    <a:lnL>
+                      <a:noFill/>
+                    </a:lnL>
+                    <a:lnR>
+                      <a:noFill/>
+                    </a:lnR>
+                    <a:lnT>
+                      <a:noFill/>
+                    </a:lnT>
+                    <a:lnB>
+                      <a:noFill/>
+                    </a:lnB>
+                  </a:tcPr>
+                </a:tc>
+                <a:tc>
+                  <a:txBody>
+                    <a:bodyPr/>
+                    <a:lstStyle/>
+                    <a:p>
+                      <a:pPr algn="l"/>
+                      <a:r>
+                        <a:rPr lang="pt-BR" sz="1600" dirty="0">
+                          <a:effectLst/>
+                        </a:rPr>
+                        <a:t>0.6288</a:t>
+                      </a:r>
+                    </a:p>
+                  </a:txBody>
+                  <a:tcPr marL="76200" marR="76200" marT="38100" marB="38100" anchor="ctr">
+                    <a:lnL>
+                      <a:noFill/>
+                    </a:lnL>
+                    <a:lnR>
+                      <a:noFill/>
+                    </a:lnR>
+                    <a:lnT>
+                      <a:noFill/>
+                    </a:lnT>
+                    <a:lnB>
+                      <a:noFill/>
+                    </a:lnB>
+                  </a:tcPr>
+                </a:tc>
+                <a:tc>
+                  <a:txBody>
+                    <a:bodyPr/>
+                    <a:lstStyle/>
+                    <a:p>
+                      <a:pPr algn="l"/>
+                      <a:r>
+                        <a:rPr lang="pt-BR" sz="1800" b="0" i="0" kern="1200" dirty="0">
+                          <a:solidFill>
+                            <a:schemeClr val="tx1"/>
+                          </a:solidFill>
+                          <a:effectLst/>
+                          <a:latin typeface="+mn-lt"/>
+                          <a:ea typeface="+mn-ea"/>
+                          <a:cs typeface="+mn-cs"/>
+                        </a:rPr>
+                        <a:t>0.6220</a:t>
+                      </a:r>
+                      <a:endParaRPr lang="pt-BR" sz="1600" dirty="0">
+                        <a:effectLst/>
+                      </a:endParaRPr>
+                    </a:p>
+                  </a:txBody>
+                  <a:tcPr marL="76200" marR="76200" marT="38100" marB="38100" anchor="ctr">
+                    <a:lnL>
+                      <a:noFill/>
+                    </a:lnL>
+                    <a:lnR>
+                      <a:noFill/>
+                    </a:lnR>
+                    <a:lnT>
+                      <a:noFill/>
+                    </a:lnT>
+                    <a:lnB>
+                      <a:noFill/>
+                    </a:lnB>
+                  </a:tcPr>
+                </a:tc>
+                <a:extLst>
+                  <a:ext uri="{0D108BD9-81ED-4DB2-BD59-A6C34878D82A}">
+                    <a16:rowId xmlns:a16="http://schemas.microsoft.com/office/drawing/2014/main" val="2142888083"/>
+                  </a:ext>
+                </a:extLst>
+              </a:tr>
+              <a:tr h="721775">
+                <a:tc>
+                  <a:txBody>
+                    <a:bodyPr/>
+                    <a:lstStyle/>
+                    <a:p>
+                      <a:pPr algn="l"/>
+                      <a:r>
+                        <a:rPr lang="pt-BR" dirty="0" err="1">
+                          <a:effectLst/>
+                        </a:rPr>
+                        <a:t>Logistic</a:t>
+                      </a:r>
+                      <a:r>
+                        <a:rPr lang="pt-BR" dirty="0">
+                          <a:effectLst/>
+                        </a:rPr>
+                        <a:t> </a:t>
+                      </a:r>
+                      <a:r>
+                        <a:rPr lang="pt-BR" dirty="0" err="1">
+                          <a:effectLst/>
+                        </a:rPr>
+                        <a:t>Regression</a:t>
+                      </a:r>
+                      <a:endParaRPr lang="pt-BR" dirty="0">
+                        <a:effectLst/>
+                      </a:endParaRPr>
+                    </a:p>
+                  </a:txBody>
+                  <a:tcPr marL="76200" marR="76200" marT="38100" marB="38100" anchor="ctr">
+                    <a:lnL>
+                      <a:noFill/>
+                    </a:lnL>
+                    <a:lnR>
+                      <a:noFill/>
+                    </a:lnR>
+                    <a:lnT>
+                      <a:noFill/>
+                    </a:lnT>
+                    <a:lnB>
+                      <a:noFill/>
+                    </a:lnB>
+                  </a:tcPr>
+                </a:tc>
+                <a:tc>
+                  <a:txBody>
+                    <a:bodyPr/>
+                    <a:lstStyle/>
+                    <a:p>
+                      <a:pPr algn="l"/>
+                      <a:r>
+                        <a:rPr lang="pt-BR">
+                          <a:effectLst/>
+                        </a:rPr>
+                        <a:t>0.6217</a:t>
+                      </a:r>
+                    </a:p>
+                  </a:txBody>
+                  <a:tcPr marL="76200" marR="76200" marT="38100" marB="38100" anchor="ctr">
+                    <a:lnL>
+                      <a:noFill/>
+                    </a:lnL>
+                    <a:lnR>
+                      <a:noFill/>
+                    </a:lnR>
+                    <a:lnT>
+                      <a:noFill/>
+                    </a:lnT>
+                    <a:lnB>
+                      <a:noFill/>
+                    </a:lnB>
+                  </a:tcPr>
+                </a:tc>
+                <a:tc>
+                  <a:txBody>
+                    <a:bodyPr/>
+                    <a:lstStyle/>
+                    <a:p>
+                      <a:pPr algn="l"/>
+                      <a:r>
+                        <a:rPr lang="pt-BR">
+                          <a:effectLst/>
+                        </a:rPr>
+                        <a:t>0.7080</a:t>
+                      </a:r>
+                    </a:p>
+                  </a:txBody>
+                  <a:tcPr marL="76200" marR="76200" marT="38100" marB="38100" anchor="ctr">
+                    <a:lnL>
+                      <a:noFill/>
+                    </a:lnL>
+                    <a:lnR>
+                      <a:noFill/>
+                    </a:lnR>
+                    <a:lnT>
+                      <a:noFill/>
+                    </a:lnT>
+                    <a:lnB>
+                      <a:noFill/>
+                    </a:lnB>
+                  </a:tcPr>
+                </a:tc>
+                <a:tc>
+                  <a:txBody>
+                    <a:bodyPr/>
+                    <a:lstStyle/>
+                    <a:p>
+                      <a:pPr algn="l"/>
+                      <a:r>
+                        <a:rPr lang="pt-BR">
+                          <a:effectLst/>
+                        </a:rPr>
+                        <a:t>0.4920</a:t>
+                      </a:r>
+                    </a:p>
+                  </a:txBody>
+                  <a:tcPr marL="76200" marR="76200" marT="38100" marB="38100" anchor="ctr">
+                    <a:lnL>
+                      <a:noFill/>
+                    </a:lnL>
+                    <a:lnR>
+                      <a:noFill/>
+                    </a:lnR>
+                    <a:lnT>
+                      <a:noFill/>
+                    </a:lnT>
+                    <a:lnB>
+                      <a:noFill/>
+                    </a:lnB>
+                  </a:tcPr>
+                </a:tc>
+                <a:tc>
+                  <a:txBody>
+                    <a:bodyPr/>
+                    <a:lstStyle/>
+                    <a:p>
+                      <a:pPr algn="l"/>
+                      <a:r>
+                        <a:rPr lang="pt-BR">
+                          <a:effectLst/>
+                        </a:rPr>
+                        <a:t>0.6213</a:t>
+                      </a:r>
+                    </a:p>
+                  </a:txBody>
+                  <a:tcPr marL="76200" marR="76200" marT="38100" marB="38100" anchor="ctr">
+                    <a:lnL>
+                      <a:noFill/>
+                    </a:lnL>
+                    <a:lnR>
+                      <a:noFill/>
+                    </a:lnR>
+                    <a:lnT>
+                      <a:noFill/>
+                    </a:lnT>
+                    <a:lnB>
+                      <a:noFill/>
+                    </a:lnB>
+                  </a:tcPr>
+                </a:tc>
+                <a:tc>
+                  <a:txBody>
+                    <a:bodyPr/>
+                    <a:lstStyle/>
+                    <a:p>
+                      <a:pPr algn="l"/>
+                      <a:r>
+                        <a:rPr lang="pt-BR" dirty="0">
+                          <a:effectLst/>
+                        </a:rPr>
+                        <a:t>0.5864</a:t>
+                      </a:r>
+                    </a:p>
+                  </a:txBody>
+                  <a:tcPr marL="76200" marR="76200" marT="38100" marB="38100" anchor="ctr">
+                    <a:lnL>
+                      <a:noFill/>
+                    </a:lnL>
+                    <a:lnR>
+                      <a:noFill/>
+                    </a:lnR>
+                    <a:lnT>
+                      <a:noFill/>
+                    </a:lnT>
+                    <a:lnB>
+                      <a:noFill/>
+                    </a:lnB>
+                  </a:tcPr>
+                </a:tc>
+                <a:extLst>
+                  <a:ext uri="{0D108BD9-81ED-4DB2-BD59-A6C34878D82A}">
+                    <a16:rowId xmlns:a16="http://schemas.microsoft.com/office/drawing/2014/main" val="1060097106"/>
+                  </a:ext>
+                </a:extLst>
+              </a:tr>
+            </a:tbl>
+          </a:graphicData>
+        </a:graphic>
+      </p:graphicFrame>
+    </p:spTree>
+    <p:extLst>
+      <p:ext uri="{BB962C8B-B14F-4D97-AF65-F5344CB8AC3E}">
+        <p14:creationId xmlns:p14="http://schemas.microsoft.com/office/powerpoint/2010/main" val="2245545195"/>
+      </p:ext>
+    </p:extLst>
+  </p:cSld>
+  <p:clrMapOvr>
+    <a:masterClrMapping/>
+  </p:clrMapOvr>
+</p:sld>
+</file>
+
+<file path=ppt/slides/slide12.xml><?xml version="1.0" encoding="utf-8"?>
+<p:sld xmlns:a="http://schemas.openxmlformats.org/drawingml/2006/main" xmlns:r="http://schemas.openxmlformats.org/officeDocument/2006/relationships" xmlns:p="http://schemas.openxmlformats.org/presentationml/2006/main">
+  <p:cSld>
+    <p:spTree>
+      <p:nvGrpSpPr>
+        <p:cNvPr id="1" name=""/>
+        <p:cNvGrpSpPr/>
+        <p:nvPr/>
+      </p:nvGrpSpPr>
+      <p:grpSpPr>
+        <a:xfrm>
+          <a:off x="0" y="0"/>
+          <a:ext cx="0" cy="0"/>
+          <a:chOff x="0" y="0"/>
+          <a:chExt cx="0" cy="0"/>
+        </a:xfrm>
+      </p:grpSpPr>
+      <p:sp>
+        <p:nvSpPr>
+          <p:cNvPr id="2" name="Título 1">
+            <a:extLst>
+              <a:ext uri="{FF2B5EF4-FFF2-40B4-BE49-F238E27FC236}">
+                <a16:creationId xmlns:a16="http://schemas.microsoft.com/office/drawing/2014/main" id="{6CDCFBEE-F4EA-C93A-EB5E-B765234C8081}"/>
+              </a:ext>
+            </a:extLst>
+          </p:cNvPr>
+          <p:cNvSpPr>
+            <a:spLocks noGrp="1"/>
+          </p:cNvSpPr>
+          <p:nvPr>
+            <p:ph type="title"/>
+          </p:nvPr>
+        </p:nvSpPr>
         <p:spPr/>
         <p:txBody>
           <a:bodyPr/>
           <a:lstStyle/>
           <a:p>
+            <a:r>
+              <a:rPr lang="pt-BR" dirty="0" err="1"/>
+              <a:t>Tunagem</a:t>
+            </a:r>
+            <a:r>
+              <a:rPr lang="pt-BR" dirty="0"/>
+              <a:t> do modelo</a:t>
+            </a:r>
+          </a:p>
+        </p:txBody>
+      </p:sp>
+      <p:sp>
+        <p:nvSpPr>
+          <p:cNvPr id="3" name="Espaço Reservado para Conteúdo 2">
+            <a:extLst>
+              <a:ext uri="{FF2B5EF4-FFF2-40B4-BE49-F238E27FC236}">
+                <a16:creationId xmlns:a16="http://schemas.microsoft.com/office/drawing/2014/main" id="{8E6B0A4F-E108-B786-E4A0-6FDC90DD5A50}"/>
+              </a:ext>
+            </a:extLst>
+          </p:cNvPr>
+          <p:cNvSpPr>
+            <a:spLocks noGrp="1"/>
+          </p:cNvSpPr>
+          <p:nvPr>
+            <p:ph idx="1"/>
+          </p:nvPr>
+        </p:nvSpPr>
+        <p:spPr>
+          <a:xfrm>
+            <a:off x="913795" y="1732449"/>
+            <a:ext cx="10353762" cy="4651726"/>
+          </a:xfrm>
+        </p:spPr>
+        <p:txBody>
+          <a:bodyPr>
+            <a:normAutofit fontScale="92500" lnSpcReduction="10000"/>
+          </a:bodyPr>
+          <a:lstStyle/>
+          <a:p>
+            <a:r>
+              <a:rPr lang="pt-BR" dirty="0"/>
+              <a:t>Utilizando o Cross </a:t>
+            </a:r>
+            <a:r>
+              <a:rPr lang="pt-BR" dirty="0" err="1"/>
+              <a:t>Validation</a:t>
+            </a:r>
+            <a:r>
+              <a:rPr lang="pt-BR" dirty="0"/>
+              <a:t> k-</a:t>
+            </a:r>
+            <a:r>
+              <a:rPr lang="pt-BR" dirty="0" err="1"/>
+              <a:t>folds</a:t>
+            </a:r>
+            <a:r>
+              <a:rPr lang="pt-BR" dirty="0"/>
+              <a:t> (k = 10)</a:t>
+            </a:r>
+          </a:p>
+          <a:p>
+            <a:r>
+              <a:rPr lang="pt-BR" dirty="0"/>
+              <a:t>Melhoramos um pouco o modelo</a:t>
+            </a:r>
+          </a:p>
+          <a:p>
+            <a:endParaRPr lang="pt-BR" dirty="0"/>
+          </a:p>
+          <a:p>
+            <a:endParaRPr lang="pt-BR" dirty="0"/>
+          </a:p>
+          <a:p>
+            <a:endParaRPr lang="pt-BR" dirty="0"/>
+          </a:p>
+          <a:p>
+            <a:endParaRPr lang="pt-BR" dirty="0"/>
+          </a:p>
+          <a:p>
+            <a:endParaRPr lang="pt-BR" dirty="0"/>
+          </a:p>
+          <a:p>
+            <a:pPr marL="36900" indent="0">
+              <a:buNone/>
+            </a:pPr>
+            <a:endParaRPr lang="pt-BR" sz="1700" b="0" i="0" dirty="0">
+              <a:solidFill>
+                <a:srgbClr val="D4D4D4"/>
+              </a:solidFill>
+              <a:effectLst/>
+              <a:latin typeface="Consolas" panose="020B0609020204030204" pitchFamily="49" charset="0"/>
+            </a:endParaRPr>
+          </a:p>
+          <a:p>
+            <a:pPr marL="36900" indent="0">
+              <a:buNone/>
+            </a:pPr>
+            <a:r>
+              <a:rPr lang="pt-BR" sz="1700" b="0" i="0" dirty="0" err="1">
+                <a:solidFill>
+                  <a:srgbClr val="D4D4D4"/>
+                </a:solidFill>
+                <a:effectLst/>
+                <a:latin typeface="Consolas" panose="020B0609020204030204" pitchFamily="49" charset="0"/>
+              </a:rPr>
+              <a:t>LGBMClassifier</a:t>
+            </a:r>
+            <a:r>
+              <a:rPr lang="pt-BR" sz="1700" b="0" i="0" dirty="0">
+                <a:solidFill>
+                  <a:srgbClr val="D4D4D4"/>
+                </a:solidFill>
+                <a:effectLst/>
+                <a:latin typeface="Consolas" panose="020B0609020204030204" pitchFamily="49" charset="0"/>
+              </a:rPr>
+              <a:t>(</a:t>
+            </a:r>
+            <a:r>
+              <a:rPr lang="pt-BR" sz="1700" b="0" i="0" dirty="0" err="1">
+                <a:solidFill>
+                  <a:srgbClr val="D4D4D4"/>
+                </a:solidFill>
+                <a:effectLst/>
+                <a:latin typeface="Consolas" panose="020B0609020204030204" pitchFamily="49" charset="0"/>
+              </a:rPr>
+              <a:t>bagging_fraction</a:t>
+            </a:r>
+            <a:r>
+              <a:rPr lang="pt-BR" sz="1700" b="0" i="0" dirty="0">
+                <a:solidFill>
+                  <a:srgbClr val="D4D4D4"/>
+                </a:solidFill>
+                <a:effectLst/>
+                <a:latin typeface="Consolas" panose="020B0609020204030204" pitchFamily="49" charset="0"/>
+              </a:rPr>
+              <a:t>=0.7, </a:t>
+            </a:r>
+            <a:r>
+              <a:rPr lang="pt-BR" sz="1700" b="0" i="0" dirty="0" err="1">
+                <a:solidFill>
+                  <a:srgbClr val="D4D4D4"/>
+                </a:solidFill>
+                <a:effectLst/>
+                <a:latin typeface="Consolas" panose="020B0609020204030204" pitchFamily="49" charset="0"/>
+              </a:rPr>
+              <a:t>bagging_freq</a:t>
+            </a:r>
+            <a:r>
+              <a:rPr lang="pt-BR" sz="1700" b="0" i="0" dirty="0">
+                <a:solidFill>
+                  <a:srgbClr val="D4D4D4"/>
+                </a:solidFill>
+                <a:effectLst/>
+                <a:latin typeface="Consolas" panose="020B0609020204030204" pitchFamily="49" charset="0"/>
+              </a:rPr>
+              <a:t>=6, </a:t>
+            </a:r>
+            <a:r>
+              <a:rPr lang="pt-BR" sz="1700" b="0" i="0" dirty="0" err="1">
+                <a:solidFill>
+                  <a:srgbClr val="D4D4D4"/>
+                </a:solidFill>
+                <a:effectLst/>
+                <a:latin typeface="Consolas" panose="020B0609020204030204" pitchFamily="49" charset="0"/>
+              </a:rPr>
+              <a:t>boosting_type</a:t>
+            </a:r>
+            <a:r>
+              <a:rPr lang="pt-BR" sz="1700" b="0" i="0" dirty="0">
+                <a:solidFill>
+                  <a:srgbClr val="D4D4D4"/>
+                </a:solidFill>
+                <a:effectLst/>
+                <a:latin typeface="Consolas" panose="020B0609020204030204" pitchFamily="49" charset="0"/>
+              </a:rPr>
+              <a:t>='</a:t>
+            </a:r>
+            <a:r>
+              <a:rPr lang="pt-BR" sz="1700" b="0" i="0" dirty="0" err="1">
+                <a:solidFill>
+                  <a:srgbClr val="D4D4D4"/>
+                </a:solidFill>
+                <a:effectLst/>
+                <a:latin typeface="Consolas" panose="020B0609020204030204" pitchFamily="49" charset="0"/>
+              </a:rPr>
+              <a:t>gbdt</a:t>
+            </a:r>
+            <a:r>
+              <a:rPr lang="pt-BR" sz="1700" b="0" i="0" dirty="0">
+                <a:solidFill>
+                  <a:srgbClr val="D4D4D4"/>
+                </a:solidFill>
+                <a:effectLst/>
+                <a:latin typeface="Consolas" panose="020B0609020204030204" pitchFamily="49" charset="0"/>
+              </a:rPr>
+              <a:t>', </a:t>
+            </a:r>
+            <a:r>
+              <a:rPr lang="pt-BR" sz="1700" b="0" i="0" dirty="0" err="1">
+                <a:solidFill>
+                  <a:srgbClr val="D4D4D4"/>
+                </a:solidFill>
+                <a:effectLst/>
+                <a:latin typeface="Consolas" panose="020B0609020204030204" pitchFamily="49" charset="0"/>
+              </a:rPr>
+              <a:t>class_weight</a:t>
+            </a:r>
+            <a:r>
+              <a:rPr lang="pt-BR" sz="1700" b="0" i="0" dirty="0">
+                <a:solidFill>
+                  <a:srgbClr val="D4D4D4"/>
+                </a:solidFill>
+                <a:effectLst/>
+                <a:latin typeface="Consolas" panose="020B0609020204030204" pitchFamily="49" charset="0"/>
+              </a:rPr>
+              <a:t>=None, </a:t>
+            </a:r>
+            <a:r>
+              <a:rPr lang="pt-BR" sz="1700" b="0" i="0" dirty="0" err="1">
+                <a:solidFill>
+                  <a:srgbClr val="D4D4D4"/>
+                </a:solidFill>
+                <a:effectLst/>
+                <a:latin typeface="Consolas" panose="020B0609020204030204" pitchFamily="49" charset="0"/>
+              </a:rPr>
+              <a:t>colsample_bytree</a:t>
+            </a:r>
+            <a:r>
+              <a:rPr lang="pt-BR" sz="1700" b="0" i="0" dirty="0">
+                <a:solidFill>
+                  <a:srgbClr val="D4D4D4"/>
+                </a:solidFill>
+                <a:effectLst/>
+                <a:latin typeface="Consolas" panose="020B0609020204030204" pitchFamily="49" charset="0"/>
+              </a:rPr>
+              <a:t>=1.0, </a:t>
+            </a:r>
+            <a:r>
+              <a:rPr lang="pt-BR" sz="1700" b="0" i="0" dirty="0" err="1">
+                <a:solidFill>
+                  <a:srgbClr val="D4D4D4"/>
+                </a:solidFill>
+                <a:effectLst/>
+                <a:latin typeface="Consolas" panose="020B0609020204030204" pitchFamily="49" charset="0"/>
+              </a:rPr>
+              <a:t>feature_fraction</a:t>
+            </a:r>
+            <a:r>
+              <a:rPr lang="pt-BR" sz="1700" b="0" i="0" dirty="0">
+                <a:solidFill>
+                  <a:srgbClr val="D4D4D4"/>
+                </a:solidFill>
+                <a:effectLst/>
+                <a:latin typeface="Consolas" panose="020B0609020204030204" pitchFamily="49" charset="0"/>
+              </a:rPr>
+              <a:t>=0.5, </a:t>
+            </a:r>
+            <a:r>
+              <a:rPr lang="pt-BR" sz="1700" b="0" i="0" dirty="0" err="1">
+                <a:solidFill>
+                  <a:srgbClr val="D4D4D4"/>
+                </a:solidFill>
+                <a:effectLst/>
+                <a:latin typeface="Consolas" panose="020B0609020204030204" pitchFamily="49" charset="0"/>
+              </a:rPr>
+              <a:t>importance_type</a:t>
+            </a:r>
+            <a:r>
+              <a:rPr lang="pt-BR" sz="1700" b="0" i="0" dirty="0">
+                <a:solidFill>
+                  <a:srgbClr val="D4D4D4"/>
+                </a:solidFill>
+                <a:effectLst/>
+                <a:latin typeface="Consolas" panose="020B0609020204030204" pitchFamily="49" charset="0"/>
+              </a:rPr>
+              <a:t>='split', </a:t>
+            </a:r>
+            <a:r>
+              <a:rPr lang="pt-BR" sz="1700" b="0" i="0" dirty="0" err="1">
+                <a:solidFill>
+                  <a:srgbClr val="D4D4D4"/>
+                </a:solidFill>
+                <a:effectLst/>
+                <a:latin typeface="Consolas" panose="020B0609020204030204" pitchFamily="49" charset="0"/>
+              </a:rPr>
+              <a:t>learning_rate</a:t>
+            </a:r>
+            <a:r>
+              <a:rPr lang="pt-BR" sz="1700" b="0" i="0" dirty="0">
+                <a:solidFill>
+                  <a:srgbClr val="D4D4D4"/>
+                </a:solidFill>
+                <a:effectLst/>
+                <a:latin typeface="Consolas" panose="020B0609020204030204" pitchFamily="49" charset="0"/>
+              </a:rPr>
+              <a:t>=0.1, </a:t>
+            </a:r>
+            <a:r>
+              <a:rPr lang="pt-BR" sz="1700" b="0" i="0" dirty="0" err="1">
+                <a:solidFill>
+                  <a:srgbClr val="D4D4D4"/>
+                </a:solidFill>
+                <a:effectLst/>
+                <a:latin typeface="Consolas" panose="020B0609020204030204" pitchFamily="49" charset="0"/>
+              </a:rPr>
+              <a:t>max_depth</a:t>
+            </a:r>
+            <a:r>
+              <a:rPr lang="pt-BR" sz="1700" b="0" i="0" dirty="0">
+                <a:solidFill>
+                  <a:srgbClr val="D4D4D4"/>
+                </a:solidFill>
+                <a:effectLst/>
+                <a:latin typeface="Consolas" panose="020B0609020204030204" pitchFamily="49" charset="0"/>
+              </a:rPr>
+              <a:t>=-1, </a:t>
+            </a:r>
+            <a:r>
+              <a:rPr lang="pt-BR" sz="1700" b="0" i="0" dirty="0" err="1">
+                <a:solidFill>
+                  <a:srgbClr val="D4D4D4"/>
+                </a:solidFill>
+                <a:effectLst/>
+                <a:latin typeface="Consolas" panose="020B0609020204030204" pitchFamily="49" charset="0"/>
+              </a:rPr>
+              <a:t>min_child_samples</a:t>
+            </a:r>
+            <a:r>
+              <a:rPr lang="pt-BR" sz="1700" b="0" i="0" dirty="0">
+                <a:solidFill>
+                  <a:srgbClr val="D4D4D4"/>
+                </a:solidFill>
+                <a:effectLst/>
+                <a:latin typeface="Consolas" panose="020B0609020204030204" pitchFamily="49" charset="0"/>
+              </a:rPr>
+              <a:t>=66, </a:t>
+            </a:r>
+            <a:r>
+              <a:rPr lang="pt-BR" sz="1700" b="0" i="0" dirty="0" err="1">
+                <a:solidFill>
+                  <a:srgbClr val="D4D4D4"/>
+                </a:solidFill>
+                <a:effectLst/>
+                <a:latin typeface="Consolas" panose="020B0609020204030204" pitchFamily="49" charset="0"/>
+              </a:rPr>
+              <a:t>min_child_weight</a:t>
+            </a:r>
+            <a:r>
+              <a:rPr lang="pt-BR" sz="1700" b="0" i="0" dirty="0">
+                <a:solidFill>
+                  <a:srgbClr val="D4D4D4"/>
+                </a:solidFill>
+                <a:effectLst/>
+                <a:latin typeface="Consolas" panose="020B0609020204030204" pitchFamily="49" charset="0"/>
+              </a:rPr>
+              <a:t>=0.001, </a:t>
+            </a:r>
+            <a:r>
+              <a:rPr lang="pt-BR" sz="1700" b="0" i="0" dirty="0" err="1">
+                <a:solidFill>
+                  <a:srgbClr val="D4D4D4"/>
+                </a:solidFill>
+                <a:effectLst/>
+                <a:latin typeface="Consolas" panose="020B0609020204030204" pitchFamily="49" charset="0"/>
+              </a:rPr>
+              <a:t>min_split_gain</a:t>
+            </a:r>
+            <a:r>
+              <a:rPr lang="pt-BR" sz="1700" b="0" i="0" dirty="0">
+                <a:solidFill>
+                  <a:srgbClr val="D4D4D4"/>
+                </a:solidFill>
+                <a:effectLst/>
+                <a:latin typeface="Consolas" panose="020B0609020204030204" pitchFamily="49" charset="0"/>
+              </a:rPr>
+              <a:t>=0.4, </a:t>
+            </a:r>
+            <a:r>
+              <a:rPr lang="pt-BR" sz="1700" b="0" i="0" dirty="0" err="1">
+                <a:solidFill>
+                  <a:srgbClr val="D4D4D4"/>
+                </a:solidFill>
+                <a:effectLst/>
+                <a:latin typeface="Consolas" panose="020B0609020204030204" pitchFamily="49" charset="0"/>
+              </a:rPr>
+              <a:t>n_estimators</a:t>
+            </a:r>
+            <a:r>
+              <a:rPr lang="pt-BR" sz="1700" b="0" i="0" dirty="0">
+                <a:solidFill>
+                  <a:srgbClr val="D4D4D4"/>
+                </a:solidFill>
+                <a:effectLst/>
+                <a:latin typeface="Consolas" panose="020B0609020204030204" pitchFamily="49" charset="0"/>
+              </a:rPr>
+              <a:t>=90, </a:t>
+            </a:r>
+            <a:r>
+              <a:rPr lang="pt-BR" sz="1700" b="0" i="0" dirty="0" err="1">
+                <a:solidFill>
+                  <a:srgbClr val="D4D4D4"/>
+                </a:solidFill>
+                <a:effectLst/>
+                <a:latin typeface="Consolas" panose="020B0609020204030204" pitchFamily="49" charset="0"/>
+              </a:rPr>
+              <a:t>n_jobs</a:t>
+            </a:r>
+            <a:r>
+              <a:rPr lang="pt-BR" sz="1700" b="0" i="0" dirty="0">
+                <a:solidFill>
+                  <a:srgbClr val="D4D4D4"/>
+                </a:solidFill>
+                <a:effectLst/>
+                <a:latin typeface="Consolas" panose="020B0609020204030204" pitchFamily="49" charset="0"/>
+              </a:rPr>
+              <a:t>=-1, </a:t>
+            </a:r>
+            <a:r>
+              <a:rPr lang="pt-BR" sz="1700" b="0" i="0" dirty="0" err="1">
+                <a:solidFill>
+                  <a:srgbClr val="D4D4D4"/>
+                </a:solidFill>
+                <a:effectLst/>
+                <a:latin typeface="Consolas" panose="020B0609020204030204" pitchFamily="49" charset="0"/>
+              </a:rPr>
+              <a:t>num_leaves</a:t>
+            </a:r>
+            <a:r>
+              <a:rPr lang="pt-BR" sz="1700" b="0" i="0" dirty="0">
+                <a:solidFill>
+                  <a:srgbClr val="D4D4D4"/>
+                </a:solidFill>
+                <a:effectLst/>
+                <a:latin typeface="Consolas" panose="020B0609020204030204" pitchFamily="49" charset="0"/>
+              </a:rPr>
+              <a:t>=90, objective=None, </a:t>
+            </a:r>
+            <a:r>
+              <a:rPr lang="pt-BR" sz="1700" b="0" i="0" dirty="0" err="1">
+                <a:solidFill>
+                  <a:srgbClr val="D4D4D4"/>
+                </a:solidFill>
+                <a:effectLst/>
+                <a:latin typeface="Consolas" panose="020B0609020204030204" pitchFamily="49" charset="0"/>
+              </a:rPr>
+              <a:t>random_state</a:t>
+            </a:r>
+            <a:r>
+              <a:rPr lang="pt-BR" sz="1700" b="0" i="0" dirty="0">
+                <a:solidFill>
+                  <a:srgbClr val="D4D4D4"/>
+                </a:solidFill>
+                <a:effectLst/>
+                <a:latin typeface="Consolas" panose="020B0609020204030204" pitchFamily="49" charset="0"/>
+              </a:rPr>
+              <a:t>=123, </a:t>
+            </a:r>
+            <a:r>
+              <a:rPr lang="pt-BR" sz="1700" b="0" i="0" dirty="0" err="1">
+                <a:solidFill>
+                  <a:srgbClr val="D4D4D4"/>
+                </a:solidFill>
+                <a:effectLst/>
+                <a:latin typeface="Consolas" panose="020B0609020204030204" pitchFamily="49" charset="0"/>
+              </a:rPr>
+              <a:t>reg_alpha</a:t>
+            </a:r>
+            <a:r>
+              <a:rPr lang="pt-BR" sz="1700" b="0" i="0" dirty="0">
+                <a:solidFill>
+                  <a:srgbClr val="D4D4D4"/>
+                </a:solidFill>
+                <a:effectLst/>
+                <a:latin typeface="Consolas" panose="020B0609020204030204" pitchFamily="49" charset="0"/>
+              </a:rPr>
+              <a:t>=0.0005, </a:t>
+            </a:r>
+            <a:r>
+              <a:rPr lang="pt-BR" sz="1700" b="0" i="0" dirty="0" err="1">
+                <a:solidFill>
+                  <a:srgbClr val="D4D4D4"/>
+                </a:solidFill>
+                <a:effectLst/>
+                <a:latin typeface="Consolas" panose="020B0609020204030204" pitchFamily="49" charset="0"/>
+              </a:rPr>
+              <a:t>reg_lambda</a:t>
+            </a:r>
+            <a:r>
+              <a:rPr lang="pt-BR" sz="1700" b="0" i="0" dirty="0">
+                <a:solidFill>
+                  <a:srgbClr val="D4D4D4"/>
+                </a:solidFill>
+                <a:effectLst/>
+                <a:latin typeface="Consolas" panose="020B0609020204030204" pitchFamily="49" charset="0"/>
+              </a:rPr>
+              <a:t>=0.1, </a:t>
+            </a:r>
+            <a:r>
+              <a:rPr lang="pt-BR" sz="1700" b="0" i="0" dirty="0" err="1">
+                <a:solidFill>
+                  <a:srgbClr val="D4D4D4"/>
+                </a:solidFill>
+                <a:effectLst/>
+                <a:latin typeface="Consolas" panose="020B0609020204030204" pitchFamily="49" charset="0"/>
+              </a:rPr>
+              <a:t>silent</a:t>
+            </a:r>
+            <a:r>
+              <a:rPr lang="pt-BR" sz="1700" b="0" i="0" dirty="0">
+                <a:solidFill>
+                  <a:srgbClr val="D4D4D4"/>
+                </a:solidFill>
+                <a:effectLst/>
+                <a:latin typeface="Consolas" panose="020B0609020204030204" pitchFamily="49" charset="0"/>
+              </a:rPr>
+              <a:t>='</a:t>
+            </a:r>
+            <a:r>
+              <a:rPr lang="pt-BR" sz="1700" b="0" i="0" dirty="0" err="1">
+                <a:solidFill>
+                  <a:srgbClr val="D4D4D4"/>
+                </a:solidFill>
+                <a:effectLst/>
+                <a:latin typeface="Consolas" panose="020B0609020204030204" pitchFamily="49" charset="0"/>
+              </a:rPr>
+              <a:t>warn</a:t>
+            </a:r>
+            <a:r>
+              <a:rPr lang="pt-BR" sz="1700" b="0" i="0" dirty="0">
+                <a:solidFill>
+                  <a:srgbClr val="D4D4D4"/>
+                </a:solidFill>
+                <a:effectLst/>
+                <a:latin typeface="Consolas" panose="020B0609020204030204" pitchFamily="49" charset="0"/>
+              </a:rPr>
+              <a:t>', </a:t>
+            </a:r>
+            <a:r>
+              <a:rPr lang="pt-BR" sz="1700" b="0" i="0" dirty="0" err="1">
+                <a:solidFill>
+                  <a:srgbClr val="D4D4D4"/>
+                </a:solidFill>
+                <a:effectLst/>
+                <a:latin typeface="Consolas" panose="020B0609020204030204" pitchFamily="49" charset="0"/>
+              </a:rPr>
+              <a:t>subsample</a:t>
+            </a:r>
+            <a:r>
+              <a:rPr lang="pt-BR" sz="1700" b="0" i="0" dirty="0">
+                <a:solidFill>
+                  <a:srgbClr val="D4D4D4"/>
+                </a:solidFill>
+                <a:effectLst/>
+                <a:latin typeface="Consolas" panose="020B0609020204030204" pitchFamily="49" charset="0"/>
+              </a:rPr>
+              <a:t>=1.0, </a:t>
+            </a:r>
+            <a:r>
+              <a:rPr lang="pt-BR" sz="1700" b="0" i="0" dirty="0" err="1">
+                <a:solidFill>
+                  <a:srgbClr val="D4D4D4"/>
+                </a:solidFill>
+                <a:effectLst/>
+                <a:latin typeface="Consolas" panose="020B0609020204030204" pitchFamily="49" charset="0"/>
+              </a:rPr>
+              <a:t>subsample_for_bin</a:t>
+            </a:r>
+            <a:r>
+              <a:rPr lang="pt-BR" sz="1700" b="0" i="0" dirty="0">
+                <a:solidFill>
+                  <a:srgbClr val="D4D4D4"/>
+                </a:solidFill>
+                <a:effectLst/>
+                <a:latin typeface="Consolas" panose="020B0609020204030204" pitchFamily="49" charset="0"/>
+              </a:rPr>
+              <a:t>=200000, </a:t>
+            </a:r>
+            <a:r>
+              <a:rPr lang="pt-BR" sz="1700" b="0" i="0" dirty="0" err="1">
+                <a:solidFill>
+                  <a:srgbClr val="D4D4D4"/>
+                </a:solidFill>
+                <a:effectLst/>
+                <a:latin typeface="Consolas" panose="020B0609020204030204" pitchFamily="49" charset="0"/>
+              </a:rPr>
+              <a:t>subsample_freq</a:t>
+            </a:r>
+            <a:r>
+              <a:rPr lang="pt-BR" sz="1700" b="0" i="0" dirty="0">
+                <a:solidFill>
+                  <a:srgbClr val="D4D4D4"/>
+                </a:solidFill>
+                <a:effectLst/>
+                <a:latin typeface="Consolas" panose="020B0609020204030204" pitchFamily="49" charset="0"/>
+              </a:rPr>
+              <a:t>=0)</a:t>
+            </a:r>
+            <a:endParaRPr lang="pt-BR" sz="1700" dirty="0"/>
+          </a:p>
+        </p:txBody>
+      </p:sp>
+      <p:graphicFrame>
+        <p:nvGraphicFramePr>
+          <p:cNvPr id="4" name="Tabela 3">
+            <a:extLst>
+              <a:ext uri="{FF2B5EF4-FFF2-40B4-BE49-F238E27FC236}">
+                <a16:creationId xmlns:a16="http://schemas.microsoft.com/office/drawing/2014/main" id="{562F4F26-F4F3-9C01-D3E0-BBE64FBAF5BD}"/>
+              </a:ext>
+            </a:extLst>
+          </p:cNvPr>
+          <p:cNvGraphicFramePr>
+            <a:graphicFrameLocks noGrp="1"/>
+          </p:cNvGraphicFramePr>
+          <p:nvPr>
+            <p:extLst>
+              <p:ext uri="{D42A27DB-BD31-4B8C-83A1-F6EECF244321}">
+                <p14:modId xmlns:p14="http://schemas.microsoft.com/office/powerpoint/2010/main" val="1676628976"/>
+              </p:ext>
+            </p:extLst>
+          </p:nvPr>
+        </p:nvGraphicFramePr>
+        <p:xfrm>
+          <a:off x="2392936" y="3761824"/>
+          <a:ext cx="7395480" cy="350520"/>
+        </p:xfrm>
+        <a:graphic>
+          <a:graphicData uri="http://schemas.openxmlformats.org/drawingml/2006/table">
+            <a:tbl>
+              <a:tblPr/>
+              <a:tblGrid>
+                <a:gridCol w="1479096">
+                  <a:extLst>
+                    <a:ext uri="{9D8B030D-6E8A-4147-A177-3AD203B41FA5}">
+                      <a16:colId xmlns:a16="http://schemas.microsoft.com/office/drawing/2014/main" val="4027391915"/>
+                    </a:ext>
+                  </a:extLst>
+                </a:gridCol>
+                <a:gridCol w="1479096">
+                  <a:extLst>
+                    <a:ext uri="{9D8B030D-6E8A-4147-A177-3AD203B41FA5}">
+                      <a16:colId xmlns:a16="http://schemas.microsoft.com/office/drawing/2014/main" val="2789424649"/>
+                    </a:ext>
+                  </a:extLst>
+                </a:gridCol>
+                <a:gridCol w="1479096">
+                  <a:extLst>
+                    <a:ext uri="{9D8B030D-6E8A-4147-A177-3AD203B41FA5}">
+                      <a16:colId xmlns:a16="http://schemas.microsoft.com/office/drawing/2014/main" val="2075863192"/>
+                    </a:ext>
+                  </a:extLst>
+                </a:gridCol>
+                <a:gridCol w="1479096">
+                  <a:extLst>
+                    <a:ext uri="{9D8B030D-6E8A-4147-A177-3AD203B41FA5}">
+                      <a16:colId xmlns:a16="http://schemas.microsoft.com/office/drawing/2014/main" val="1907422826"/>
+                    </a:ext>
+                  </a:extLst>
+                </a:gridCol>
+                <a:gridCol w="1479096">
+                  <a:extLst>
+                    <a:ext uri="{9D8B030D-6E8A-4147-A177-3AD203B41FA5}">
+                      <a16:colId xmlns:a16="http://schemas.microsoft.com/office/drawing/2014/main" val="3416948789"/>
+                    </a:ext>
+                  </a:extLst>
+                </a:gridCol>
+              </a:tblGrid>
+              <a:tr h="0">
+                <a:tc>
+                  <a:txBody>
+                    <a:bodyPr/>
+                    <a:lstStyle/>
+                    <a:p>
+                      <a:pPr algn="ctr"/>
+                      <a:r>
+                        <a:rPr lang="pt-BR" dirty="0">
+                          <a:effectLst/>
+                        </a:rPr>
+                        <a:t>0.6624</a:t>
+                      </a:r>
+                    </a:p>
+                  </a:txBody>
+                  <a:tcPr marL="76200" marR="76200" marT="38100" marB="38100" anchor="ctr">
+                    <a:lnL>
+                      <a:noFill/>
+                    </a:lnL>
+                    <a:lnR>
+                      <a:noFill/>
+                    </a:lnR>
+                    <a:lnT>
+                      <a:noFill/>
+                    </a:lnT>
+                    <a:lnB>
+                      <a:noFill/>
+                    </a:lnB>
+                    <a:noFill/>
+                  </a:tcPr>
+                </a:tc>
+                <a:tc>
+                  <a:txBody>
+                    <a:bodyPr/>
+                    <a:lstStyle/>
+                    <a:p>
+                      <a:pPr algn="ctr"/>
+                      <a:r>
+                        <a:rPr lang="pt-BR" dirty="0">
+                          <a:effectLst/>
+                        </a:rPr>
+                        <a:t>0.7707</a:t>
+                      </a:r>
+                    </a:p>
+                  </a:txBody>
+                  <a:tcPr marL="76200" marR="76200" marT="38100" marB="38100" anchor="ctr">
+                    <a:lnL>
+                      <a:noFill/>
+                    </a:lnL>
+                    <a:lnR>
+                      <a:noFill/>
+                    </a:lnR>
+                    <a:lnT>
+                      <a:noFill/>
+                    </a:lnT>
+                    <a:lnB>
+                      <a:noFill/>
+                    </a:lnB>
+                    <a:noFill/>
+                  </a:tcPr>
+                </a:tc>
+                <a:tc>
+                  <a:txBody>
+                    <a:bodyPr/>
+                    <a:lstStyle/>
+                    <a:p>
+                      <a:pPr algn="ctr"/>
+                      <a:r>
+                        <a:rPr lang="pt-BR" dirty="0">
+                          <a:effectLst/>
+                        </a:rPr>
+                        <a:t>0.5593</a:t>
+                      </a:r>
+                    </a:p>
+                  </a:txBody>
+                  <a:tcPr marL="76200" marR="76200" marT="38100" marB="38100" anchor="ctr">
+                    <a:lnL>
+                      <a:noFill/>
+                    </a:lnL>
+                    <a:lnR>
+                      <a:noFill/>
+                    </a:lnR>
+                    <a:lnT>
+                      <a:noFill/>
+                    </a:lnT>
+                    <a:lnB>
+                      <a:noFill/>
+                    </a:lnB>
+                    <a:noFill/>
+                  </a:tcPr>
+                </a:tc>
+                <a:tc>
+                  <a:txBody>
+                    <a:bodyPr/>
+                    <a:lstStyle/>
+                    <a:p>
+                      <a:pPr algn="ctr"/>
+                      <a:r>
+                        <a:rPr lang="pt-BR" dirty="0">
+                          <a:effectLst/>
+                        </a:rPr>
+                        <a:t>0.6608</a:t>
+                      </a:r>
+                    </a:p>
+                  </a:txBody>
+                  <a:tcPr marL="76200" marR="76200" marT="38100" marB="38100" anchor="ctr">
+                    <a:lnL>
+                      <a:noFill/>
+                    </a:lnL>
+                    <a:lnR>
+                      <a:noFill/>
+                    </a:lnR>
+                    <a:lnT>
+                      <a:noFill/>
+                    </a:lnT>
+                    <a:lnB>
+                      <a:noFill/>
+                    </a:lnB>
+                    <a:noFill/>
+                  </a:tcPr>
+                </a:tc>
+                <a:tc>
+                  <a:txBody>
+                    <a:bodyPr/>
+                    <a:lstStyle/>
+                    <a:p>
+                      <a:pPr algn="ctr"/>
+                      <a:r>
+                        <a:rPr lang="pt-BR" dirty="0">
+                          <a:effectLst/>
+                        </a:rPr>
+                        <a:t>0.6437</a:t>
+                      </a:r>
+                    </a:p>
+                  </a:txBody>
+                  <a:tcPr marL="76200" marR="76200" marT="38100" marB="38100" anchor="ctr">
+                    <a:lnL>
+                      <a:noFill/>
+                    </a:lnL>
+                    <a:lnR>
+                      <a:noFill/>
+                    </a:lnR>
+                    <a:lnT>
+                      <a:noFill/>
+                    </a:lnT>
+                    <a:lnB>
+                      <a:noFill/>
+                    </a:lnB>
+                    <a:noFill/>
+                  </a:tcPr>
+                </a:tc>
+                <a:extLst>
+                  <a:ext uri="{0D108BD9-81ED-4DB2-BD59-A6C34878D82A}">
+                    <a16:rowId xmlns:a16="http://schemas.microsoft.com/office/drawing/2014/main" val="3838764368"/>
+                  </a:ext>
+                </a:extLst>
+              </a:tr>
+            </a:tbl>
+          </a:graphicData>
+        </a:graphic>
+      </p:graphicFrame>
+      <p:graphicFrame>
+        <p:nvGraphicFramePr>
+          <p:cNvPr id="5" name="Tabela 4">
+            <a:extLst>
+              <a:ext uri="{FF2B5EF4-FFF2-40B4-BE49-F238E27FC236}">
+                <a16:creationId xmlns:a16="http://schemas.microsoft.com/office/drawing/2014/main" id="{DE24707D-B6B6-1563-FEEA-E56FD9A77570}"/>
+              </a:ext>
+            </a:extLst>
+          </p:cNvPr>
+          <p:cNvGraphicFramePr>
+            <a:graphicFrameLocks noGrp="1"/>
+          </p:cNvGraphicFramePr>
+          <p:nvPr>
+            <p:extLst>
+              <p:ext uri="{D42A27DB-BD31-4B8C-83A1-F6EECF244321}">
+                <p14:modId xmlns:p14="http://schemas.microsoft.com/office/powerpoint/2010/main" val="3187734272"/>
+              </p:ext>
+            </p:extLst>
+          </p:nvPr>
+        </p:nvGraphicFramePr>
+        <p:xfrm>
+          <a:off x="2392936" y="3159602"/>
+          <a:ext cx="7395480" cy="350520"/>
+        </p:xfrm>
+        <a:graphic>
+          <a:graphicData uri="http://schemas.openxmlformats.org/drawingml/2006/table">
+            <a:tbl>
+              <a:tblPr/>
+              <a:tblGrid>
+                <a:gridCol w="1479096">
+                  <a:extLst>
+                    <a:ext uri="{9D8B030D-6E8A-4147-A177-3AD203B41FA5}">
+                      <a16:colId xmlns:a16="http://schemas.microsoft.com/office/drawing/2014/main" val="4178340304"/>
+                    </a:ext>
+                  </a:extLst>
+                </a:gridCol>
+                <a:gridCol w="1479096">
+                  <a:extLst>
+                    <a:ext uri="{9D8B030D-6E8A-4147-A177-3AD203B41FA5}">
+                      <a16:colId xmlns:a16="http://schemas.microsoft.com/office/drawing/2014/main" val="3180384339"/>
+                    </a:ext>
+                  </a:extLst>
+                </a:gridCol>
+                <a:gridCol w="1479096">
+                  <a:extLst>
+                    <a:ext uri="{9D8B030D-6E8A-4147-A177-3AD203B41FA5}">
+                      <a16:colId xmlns:a16="http://schemas.microsoft.com/office/drawing/2014/main" val="3393289148"/>
+                    </a:ext>
+                  </a:extLst>
+                </a:gridCol>
+                <a:gridCol w="1479096">
+                  <a:extLst>
+                    <a:ext uri="{9D8B030D-6E8A-4147-A177-3AD203B41FA5}">
+                      <a16:colId xmlns:a16="http://schemas.microsoft.com/office/drawing/2014/main" val="3390614483"/>
+                    </a:ext>
+                  </a:extLst>
+                </a:gridCol>
+                <a:gridCol w="1479096">
+                  <a:extLst>
+                    <a:ext uri="{9D8B030D-6E8A-4147-A177-3AD203B41FA5}">
+                      <a16:colId xmlns:a16="http://schemas.microsoft.com/office/drawing/2014/main" val="2580942400"/>
+                    </a:ext>
+                  </a:extLst>
+                </a:gridCol>
+              </a:tblGrid>
+              <a:tr h="0">
+                <a:tc>
+                  <a:txBody>
+                    <a:bodyPr/>
+                    <a:lstStyle/>
+                    <a:p>
+                      <a:pPr algn="ctr" fontAlgn="ctr"/>
+                      <a:r>
+                        <a:rPr lang="pt-BR" dirty="0" err="1">
+                          <a:effectLst/>
+                        </a:rPr>
+                        <a:t>Accuracy</a:t>
+                      </a:r>
+                      <a:endParaRPr lang="pt-BR" dirty="0">
+                        <a:effectLst/>
+                      </a:endParaRPr>
+                    </a:p>
+                  </a:txBody>
+                  <a:tcPr marL="76200" marR="76200" marT="38100" marB="38100" anchor="ctr">
+                    <a:lnL>
+                      <a:noFill/>
+                    </a:lnL>
+                    <a:lnR>
+                      <a:noFill/>
+                    </a:lnR>
+                    <a:lnT>
+                      <a:noFill/>
+                    </a:lnT>
+                    <a:lnB>
+                      <a:noFill/>
+                    </a:lnB>
+                  </a:tcPr>
+                </a:tc>
+                <a:tc>
+                  <a:txBody>
+                    <a:bodyPr/>
+                    <a:lstStyle/>
+                    <a:p>
+                      <a:pPr algn="ctr" fontAlgn="ctr"/>
+                      <a:r>
+                        <a:rPr lang="pt-BR" dirty="0">
+                          <a:effectLst/>
+                        </a:rPr>
+                        <a:t>AUC</a:t>
+                      </a:r>
+                    </a:p>
+                  </a:txBody>
+                  <a:tcPr marL="76200" marR="76200" marT="38100" marB="38100" anchor="ctr">
+                    <a:lnL>
+                      <a:noFill/>
+                    </a:lnL>
+                    <a:lnR>
+                      <a:noFill/>
+                    </a:lnR>
+                    <a:lnT>
+                      <a:noFill/>
+                    </a:lnT>
+                    <a:lnB>
+                      <a:noFill/>
+                    </a:lnB>
+                  </a:tcPr>
+                </a:tc>
+                <a:tc>
+                  <a:txBody>
+                    <a:bodyPr/>
+                    <a:lstStyle/>
+                    <a:p>
+                      <a:pPr algn="ctr" fontAlgn="ctr"/>
+                      <a:r>
+                        <a:rPr lang="pt-BR" dirty="0">
+                          <a:effectLst/>
+                        </a:rPr>
+                        <a:t>Recall</a:t>
+                      </a:r>
+                    </a:p>
+                  </a:txBody>
+                  <a:tcPr marL="76200" marR="76200" marT="38100" marB="38100" anchor="ctr">
+                    <a:lnL>
+                      <a:noFill/>
+                    </a:lnL>
+                    <a:lnR>
+                      <a:noFill/>
+                    </a:lnR>
+                    <a:lnT>
+                      <a:noFill/>
+                    </a:lnT>
+                    <a:lnB>
+                      <a:noFill/>
+                    </a:lnB>
+                  </a:tcPr>
+                </a:tc>
+                <a:tc>
+                  <a:txBody>
+                    <a:bodyPr/>
+                    <a:lstStyle/>
+                    <a:p>
+                      <a:pPr algn="ctr" fontAlgn="ctr"/>
+                      <a:r>
+                        <a:rPr lang="pt-BR" dirty="0">
+                          <a:effectLst/>
+                        </a:rPr>
+                        <a:t>Prec.</a:t>
+                      </a:r>
+                    </a:p>
+                  </a:txBody>
+                  <a:tcPr marL="76200" marR="76200" marT="38100" marB="38100" anchor="ctr">
+                    <a:lnL>
+                      <a:noFill/>
+                    </a:lnL>
+                    <a:lnR>
+                      <a:noFill/>
+                    </a:lnR>
+                    <a:lnT>
+                      <a:noFill/>
+                    </a:lnT>
+                    <a:lnB>
+                      <a:noFill/>
+                    </a:lnB>
+                  </a:tcPr>
+                </a:tc>
+                <a:tc>
+                  <a:txBody>
+                    <a:bodyPr/>
+                    <a:lstStyle/>
+                    <a:p>
+                      <a:pPr algn="ctr" fontAlgn="ctr"/>
+                      <a:r>
+                        <a:rPr lang="pt-BR" dirty="0">
+                          <a:effectLst/>
+                        </a:rPr>
+                        <a:t>F1</a:t>
+                      </a:r>
+                    </a:p>
+                  </a:txBody>
+                  <a:tcPr marL="76200" marR="76200" marT="38100" marB="38100" anchor="ctr">
+                    <a:lnL>
+                      <a:noFill/>
+                    </a:lnL>
+                    <a:lnR>
+                      <a:noFill/>
+                    </a:lnR>
+                    <a:lnT>
+                      <a:noFill/>
+                    </a:lnT>
+                    <a:lnB>
+                      <a:noFill/>
+                    </a:lnB>
+                  </a:tcPr>
+                </a:tc>
+                <a:extLst>
+                  <a:ext uri="{0D108BD9-81ED-4DB2-BD59-A6C34878D82A}">
+                    <a16:rowId xmlns:a16="http://schemas.microsoft.com/office/drawing/2014/main" val="750486182"/>
+                  </a:ext>
+                </a:extLst>
+              </a:tr>
+            </a:tbl>
+          </a:graphicData>
+        </a:graphic>
+      </p:graphicFrame>
+    </p:spTree>
+    <p:extLst>
+      <p:ext uri="{BB962C8B-B14F-4D97-AF65-F5344CB8AC3E}">
+        <p14:creationId xmlns:p14="http://schemas.microsoft.com/office/powerpoint/2010/main" val="2929472374"/>
+      </p:ext>
+    </p:extLst>
+  </p:cSld>
+  <p:clrMapOvr>
+    <a:masterClrMapping/>
+  </p:clrMapOvr>
+</p:sld>
+</file>
+
+<file path=ppt/slides/slide13.xml><?xml version="1.0" encoding="utf-8"?>
+<p:sld xmlns:a="http://schemas.openxmlformats.org/drawingml/2006/main" xmlns:r="http://schemas.openxmlformats.org/officeDocument/2006/relationships" xmlns:p="http://schemas.openxmlformats.org/presentationml/2006/main">
+  <p:cSld>
+    <p:spTree>
+      <p:nvGrpSpPr>
+        <p:cNvPr id="1" name=""/>
+        <p:cNvGrpSpPr/>
+        <p:nvPr/>
+      </p:nvGrpSpPr>
+      <p:grpSpPr>
+        <a:xfrm>
+          <a:off x="0" y="0"/>
+          <a:ext cx="0" cy="0"/>
+          <a:chOff x="0" y="0"/>
+          <a:chExt cx="0" cy="0"/>
+        </a:xfrm>
+      </p:grpSpPr>
+      <p:sp>
+        <p:nvSpPr>
+          <p:cNvPr id="6" name="Retângulo 5">
+            <a:extLst>
+              <a:ext uri="{FF2B5EF4-FFF2-40B4-BE49-F238E27FC236}">
+                <a16:creationId xmlns:a16="http://schemas.microsoft.com/office/drawing/2014/main" id="{FDDADF26-87AF-DB8F-1740-2B0E9069761D}"/>
+              </a:ext>
+            </a:extLst>
+          </p:cNvPr>
+          <p:cNvSpPr/>
+          <p:nvPr/>
+        </p:nvSpPr>
+        <p:spPr>
+          <a:xfrm>
+            <a:off x="507076" y="1717724"/>
+            <a:ext cx="11346873" cy="3638109"/>
+          </a:xfrm>
+          <a:prstGeom prst="rect">
+            <a:avLst/>
+          </a:prstGeom>
+          <a:solidFill>
+            <a:schemeClr val="tx1"/>
+          </a:solidFill>
+          <a:ln>
+            <a:solidFill>
+              <a:schemeClr val="bg1"/>
+            </a:solidFill>
+          </a:ln>
+        </p:spPr>
+        <p:style>
+          <a:lnRef idx="2">
+            <a:schemeClr val="accent1">
+              <a:shade val="50000"/>
+            </a:schemeClr>
+          </a:lnRef>
+          <a:fillRef idx="1">
+            <a:schemeClr val="accent1"/>
+          </a:fillRef>
+          <a:effectRef idx="0">
+            <a:schemeClr val="accent1"/>
+          </a:effectRef>
+          <a:fontRef idx="minor">
+            <a:schemeClr val="lt1"/>
+          </a:fontRef>
+        </p:style>
+        <p:txBody>
+          <a:bodyPr rtlCol="0" anchor="ctr"/>
+          <a:lstStyle/>
+          <a:p>
+            <a:pPr algn="ctr"/>
             <a:endParaRPr lang="pt-BR"/>
+          </a:p>
+        </p:txBody>
+      </p:sp>
+      <p:sp>
+        <p:nvSpPr>
+          <p:cNvPr id="2" name="Título 1">
+            <a:extLst>
+              <a:ext uri="{FF2B5EF4-FFF2-40B4-BE49-F238E27FC236}">
+                <a16:creationId xmlns:a16="http://schemas.microsoft.com/office/drawing/2014/main" id="{C9ED09EF-3A49-EC56-D864-F5054689C72D}"/>
+              </a:ext>
+            </a:extLst>
+          </p:cNvPr>
+          <p:cNvSpPr>
+            <a:spLocks noGrp="1"/>
+          </p:cNvSpPr>
+          <p:nvPr>
+            <p:ph type="title"/>
+          </p:nvPr>
+        </p:nvSpPr>
+        <p:spPr/>
+        <p:txBody>
+          <a:bodyPr/>
+          <a:lstStyle/>
+          <a:p>
+            <a:r>
+              <a:rPr lang="pt-BR" dirty="0"/>
+              <a:t>Resultados</a:t>
+            </a:r>
+          </a:p>
+        </p:txBody>
+      </p:sp>
+      <p:pic>
+        <p:nvPicPr>
+          <p:cNvPr id="5" name="Espaço Reservado para Conteúdo 4">
+            <a:extLst>
+              <a:ext uri="{FF2B5EF4-FFF2-40B4-BE49-F238E27FC236}">
+                <a16:creationId xmlns:a16="http://schemas.microsoft.com/office/drawing/2014/main" id="{0D05F1A9-CF6A-F849-EA17-8D895655DEE3}"/>
+              </a:ext>
+            </a:extLst>
+          </p:cNvPr>
+          <p:cNvPicPr>
+            <a:picLocks noGrp="1" noChangeAspect="1"/>
+          </p:cNvPicPr>
+          <p:nvPr>
+            <p:ph idx="1"/>
+          </p:nvPr>
+        </p:nvPicPr>
+        <p:blipFill>
+          <a:blip r:embed="rId2">
+            <a:extLst>
+              <a:ext uri="{28A0092B-C50C-407E-A947-70E740481C1C}">
+                <a14:useLocalDpi xmlns:a14="http://schemas.microsoft.com/office/drawing/2010/main" val="0"/>
+              </a:ext>
+            </a:extLst>
+          </a:blip>
+          <a:stretch>
+            <a:fillRect/>
+          </a:stretch>
+        </p:blipFill>
+        <p:spPr>
+          <a:xfrm>
+            <a:off x="573578" y="1812747"/>
+            <a:ext cx="5317625" cy="3555555"/>
+          </a:xfrm>
+        </p:spPr>
+      </p:pic>
+      <p:pic>
+        <p:nvPicPr>
+          <p:cNvPr id="8" name="Imagem 7">
+            <a:extLst>
+              <a:ext uri="{FF2B5EF4-FFF2-40B4-BE49-F238E27FC236}">
+                <a16:creationId xmlns:a16="http://schemas.microsoft.com/office/drawing/2014/main" id="{7FC49BFD-6315-B06C-911F-2ADF76C2FEAE}"/>
+              </a:ext>
+            </a:extLst>
+          </p:cNvPr>
+          <p:cNvPicPr>
+            <a:picLocks noChangeAspect="1"/>
+          </p:cNvPicPr>
+          <p:nvPr/>
+        </p:nvPicPr>
+        <p:blipFill>
+          <a:blip r:embed="rId3">
+            <a:extLst>
+              <a:ext uri="{28A0092B-C50C-407E-A947-70E740481C1C}">
+                <a14:useLocalDpi xmlns:a14="http://schemas.microsoft.com/office/drawing/2010/main" val="0"/>
+              </a:ext>
+            </a:extLst>
+          </a:blip>
+          <a:stretch>
+            <a:fillRect/>
+          </a:stretch>
+        </p:blipFill>
+        <p:spPr>
+          <a:xfrm>
+            <a:off x="6618258" y="1738218"/>
+            <a:ext cx="5066666" cy="3555555"/>
+          </a:xfrm>
+          <a:prstGeom prst="rect">
+            <a:avLst/>
+          </a:prstGeom>
+        </p:spPr>
+      </p:pic>
+    </p:spTree>
+    <p:extLst>
+      <p:ext uri="{BB962C8B-B14F-4D97-AF65-F5344CB8AC3E}">
+        <p14:creationId xmlns:p14="http://schemas.microsoft.com/office/powerpoint/2010/main" val="381196293"/>
+      </p:ext>
+    </p:extLst>
+  </p:cSld>
+  <p:clrMapOvr>
+    <a:masterClrMapping/>
+  </p:clrMapOvr>
+</p:sld>
+</file>
+
+<file path=ppt/slides/slide14.xml><?xml version="1.0" encoding="utf-8"?>
+<p:sld xmlns:a="http://schemas.openxmlformats.org/drawingml/2006/main" xmlns:r="http://schemas.openxmlformats.org/officeDocument/2006/relationships" xmlns:p="http://schemas.openxmlformats.org/presentationml/2006/main">
+  <p:cSld>
+    <p:spTree>
+      <p:nvGrpSpPr>
+        <p:cNvPr id="1" name=""/>
+        <p:cNvGrpSpPr/>
+        <p:nvPr/>
+      </p:nvGrpSpPr>
+      <p:grpSpPr>
+        <a:xfrm>
+          <a:off x="0" y="0"/>
+          <a:ext cx="0" cy="0"/>
+          <a:chOff x="0" y="0"/>
+          <a:chExt cx="0" cy="0"/>
+        </a:xfrm>
+      </p:grpSpPr>
+      <p:sp>
+        <p:nvSpPr>
+          <p:cNvPr id="2" name="Título 1">
+            <a:extLst>
+              <a:ext uri="{FF2B5EF4-FFF2-40B4-BE49-F238E27FC236}">
+                <a16:creationId xmlns:a16="http://schemas.microsoft.com/office/drawing/2014/main" id="{603649E7-4CAC-1A1B-A725-111664B5C84A}"/>
+              </a:ext>
+            </a:extLst>
+          </p:cNvPr>
+          <p:cNvSpPr>
+            <a:spLocks noGrp="1"/>
+          </p:cNvSpPr>
+          <p:nvPr>
+            <p:ph type="title"/>
+          </p:nvPr>
+        </p:nvSpPr>
+        <p:spPr>
+          <a:xfrm>
+            <a:off x="730915" y="1390996"/>
+            <a:ext cx="10353762" cy="4136968"/>
+          </a:xfrm>
+        </p:spPr>
+        <p:txBody>
+          <a:bodyPr>
+            <a:normAutofit/>
+          </a:bodyPr>
+          <a:lstStyle/>
+          <a:p>
+            <a:r>
+              <a:rPr lang="pt-BR" sz="4400" dirty="0"/>
+              <a:t>Obrigado!</a:t>
+            </a:r>
+            <a:br>
+              <a:rPr lang="pt-BR" sz="3200" dirty="0"/>
+            </a:br>
+            <a:br>
+              <a:rPr lang="pt-BR" sz="3200"/>
+            </a:br>
+            <a:br>
+              <a:rPr lang="pt-BR" sz="3200" dirty="0"/>
+            </a:br>
+            <a:br>
+              <a:rPr lang="pt-BR" sz="3200" dirty="0"/>
+            </a:br>
+            <a:br>
+              <a:rPr lang="pt-BR" sz="3200" dirty="0"/>
+            </a:br>
+            <a:endParaRPr lang="pt-BR" sz="3200" dirty="0"/>
           </a:p>
         </p:txBody>
       </p:sp>
@@ -6356,7 +9224,7 @@
             </a:r>
             <a:r>
               <a:rPr lang="pt-BR" dirty="0"/>
-              <a:t>, criada em 1990 comprada pela </a:t>
+              <a:t>, criada em 1990 e comprada pela </a:t>
             </a:r>
             <a:r>
               <a:rPr lang="pt-BR" dirty="0" err="1"/>
@@ -6364,24 +9232,22 @@
             </a:r>
             <a:r>
               <a:rPr lang="pt-BR" dirty="0"/>
-              <a:t> em 1198;</a:t>
-            </a:r>
+              <a:t> em 1998;</a:t>
+            </a:r>
+          </a:p>
+          <a:p>
+            <a:endParaRPr lang="pt-BR" dirty="0"/>
           </a:p>
           <a:p>
             <a:r>
               <a:rPr lang="pt-BR" dirty="0"/>
-              <a:t>Hoje tem </a:t>
-            </a:r>
-            <a:r>
-              <a:rPr lang="pt-BR" dirty="0" err="1"/>
-              <a:t>disponivel</a:t>
-            </a:r>
-            <a:r>
-              <a:rPr lang="pt-BR" dirty="0"/>
-              <a:t> uma série de serviços, incluindo horários de exibição de filmes nos cinemas, trailers, críticas e avaliações de usuários, recomendações personalizadas, notícias, curiosidades, dados de bilheteria, entre outros. </a:t>
-            </a:r>
-          </a:p>
-          <a:p>
+              <a:t>Hoje tem disponível uma série de serviços, incluindo horários de exibição de filmes nos cinemas, trailers, críticas e avaliações de usuários, recomendações personalizadas, notícias, curiosidades, dados de bilheteria, entre outros. </a:t>
+            </a:r>
+          </a:p>
+          <a:p>
+            <a:pPr marL="36900" indent="0">
+              <a:buNone/>
+            </a:pPr>
             <a:endParaRPr lang="pt-BR" dirty="0"/>
           </a:p>
           <a:p>
@@ -6479,7 +9345,12 @@
             <p:ph idx="1"/>
           </p:nvPr>
         </p:nvSpPr>
-        <p:spPr/>
+        <p:spPr>
+          <a:xfrm>
+            <a:off x="830668" y="2330965"/>
+            <a:ext cx="10353762" cy="4058751"/>
+          </a:xfrm>
+        </p:spPr>
         <p:txBody>
           <a:bodyPr/>
           <a:lstStyle/>
@@ -6495,7 +9366,7 @@
           <a:p>
             <a:r>
               <a:rPr lang="pt-BR" dirty="0"/>
-              <a:t>Assim, o objetivo desse projeto é prever a nota dos filmes no </a:t>
+              <a:t>Assim, o objetivo desse projeto é: Prever a nota dos filmes no </a:t>
             </a:r>
             <a:r>
               <a:rPr lang="pt-BR" dirty="0" err="1"/>
@@ -6505,6 +9376,24 @@
               <a:rPr lang="pt-BR" dirty="0"/>
               <a:t>.</a:t>
             </a:r>
+          </a:p>
+          <a:p>
+            <a:pPr marL="36900" indent="0">
+              <a:buNone/>
+            </a:pPr>
+            <a:r>
+              <a:rPr lang="pt-BR" dirty="0"/>
+              <a:t>Utilizando dados contidos na base de dados, como tempo de duração do filme, gênero, etc.</a:t>
+            </a:r>
+          </a:p>
+          <a:p>
+            <a:endParaRPr lang="pt-BR" dirty="0"/>
+          </a:p>
+          <a:p>
+            <a:pPr marL="36900" indent="0">
+              <a:buNone/>
+            </a:pPr>
+            <a:endParaRPr lang="pt-BR" dirty="0"/>
           </a:p>
         </p:txBody>
       </p:sp>
@@ -6604,107 +9493,6 @@
 </file>
 
 <file path=ppt/slides/slide4.xml><?xml version="1.0" encoding="utf-8"?>
-<p:sld xmlns:a="http://schemas.openxmlformats.org/drawingml/2006/main" xmlns:r="http://schemas.openxmlformats.org/officeDocument/2006/relationships" xmlns:p="http://schemas.openxmlformats.org/presentationml/2006/main">
-  <p:cSld>
-    <p:spTree>
-      <p:nvGrpSpPr>
-        <p:cNvPr id="1" name=""/>
-        <p:cNvGrpSpPr/>
-        <p:nvPr/>
-      </p:nvGrpSpPr>
-      <p:grpSpPr>
-        <a:xfrm>
-          <a:off x="0" y="0"/>
-          <a:ext cx="0" cy="0"/>
-          <a:chOff x="0" y="0"/>
-          <a:chExt cx="0" cy="0"/>
-        </a:xfrm>
-      </p:grpSpPr>
-      <p:sp>
-        <p:nvSpPr>
-          <p:cNvPr id="2" name="Título 1">
-            <a:extLst>
-              <a:ext uri="{FF2B5EF4-FFF2-40B4-BE49-F238E27FC236}">
-                <a16:creationId xmlns:a16="http://schemas.microsoft.com/office/drawing/2014/main" id="{CDFEFEE4-148F-0F48-623C-2689A3B71832}"/>
-              </a:ext>
-            </a:extLst>
-          </p:cNvPr>
-          <p:cNvSpPr>
-            <a:spLocks noGrp="1"/>
-          </p:cNvSpPr>
-          <p:nvPr>
-            <p:ph type="title"/>
-          </p:nvPr>
-        </p:nvSpPr>
-        <p:spPr/>
-        <p:txBody>
-          <a:bodyPr/>
-          <a:lstStyle/>
-          <a:p>
-            <a:r>
-              <a:rPr lang="pt-BR" dirty="0"/>
-              <a:t>Preparação das bases</a:t>
-            </a:r>
-          </a:p>
-        </p:txBody>
-      </p:sp>
-      <p:sp>
-        <p:nvSpPr>
-          <p:cNvPr id="3" name="Espaço Reservado para Conteúdo 2">
-            <a:extLst>
-              <a:ext uri="{FF2B5EF4-FFF2-40B4-BE49-F238E27FC236}">
-                <a16:creationId xmlns:a16="http://schemas.microsoft.com/office/drawing/2014/main" id="{23D6D60C-CEC4-CE29-6283-E801A1844BAB}"/>
-              </a:ext>
-            </a:extLst>
-          </p:cNvPr>
-          <p:cNvSpPr>
-            <a:spLocks noGrp="1"/>
-          </p:cNvSpPr>
-          <p:nvPr>
-            <p:ph idx="1"/>
-          </p:nvPr>
-        </p:nvSpPr>
-        <p:spPr/>
-        <p:txBody>
-          <a:bodyPr/>
-          <a:lstStyle/>
-          <a:p>
-            <a:r>
-              <a:rPr lang="pt-BR" dirty="0"/>
-              <a:t>Os dados foram obtidos no dia 03/05/2022</a:t>
-            </a:r>
-          </a:p>
-          <a:p>
-            <a:pPr marL="36900" indent="0">
-              <a:buNone/>
-            </a:pPr>
-            <a:r>
-              <a:rPr lang="pt-BR" dirty="0"/>
-              <a:t>6 tabelas (tabelas de episódios eu não usei.</a:t>
-            </a:r>
-          </a:p>
-          <a:p>
-            <a:pPr marL="36900" indent="0">
-              <a:buNone/>
-            </a:pPr>
-            <a:endParaRPr lang="pt-BR" dirty="0"/>
-          </a:p>
-        </p:txBody>
-      </p:sp>
-    </p:spTree>
-    <p:extLst>
-      <p:ext uri="{BB962C8B-B14F-4D97-AF65-F5344CB8AC3E}">
-        <p14:creationId xmlns:p14="http://schemas.microsoft.com/office/powerpoint/2010/main" val="3685121328"/>
-      </p:ext>
-    </p:extLst>
-  </p:cSld>
-  <p:clrMapOvr>
-    <a:masterClrMapping/>
-  </p:clrMapOvr>
-</p:sld>
-</file>
-
-<file path=ppt/slides/slide5.xml><?xml version="1.0" encoding="utf-8"?>
 <p:sld xmlns:a="http://schemas.openxmlformats.org/drawingml/2006/main" xmlns:r="http://schemas.openxmlformats.org/officeDocument/2006/relationships" xmlns:p="http://schemas.openxmlformats.org/presentationml/2006/main">
   <p:cSld>
     <p:spTree>
@@ -9132,6 +11920,177 @@
 </p:sld>
 </file>
 
+<file path=ppt/slides/slide5.xml><?xml version="1.0" encoding="utf-8"?>
+<p:sld xmlns:a="http://schemas.openxmlformats.org/drawingml/2006/main" xmlns:r="http://schemas.openxmlformats.org/officeDocument/2006/relationships" xmlns:p="http://schemas.openxmlformats.org/presentationml/2006/main">
+  <p:cSld>
+    <p:spTree>
+      <p:nvGrpSpPr>
+        <p:cNvPr id="1" name=""/>
+        <p:cNvGrpSpPr/>
+        <p:nvPr/>
+      </p:nvGrpSpPr>
+      <p:grpSpPr>
+        <a:xfrm>
+          <a:off x="0" y="0"/>
+          <a:ext cx="0" cy="0"/>
+          <a:chOff x="0" y="0"/>
+          <a:chExt cx="0" cy="0"/>
+        </a:xfrm>
+      </p:grpSpPr>
+      <p:sp>
+        <p:nvSpPr>
+          <p:cNvPr id="2" name="Título 1">
+            <a:extLst>
+              <a:ext uri="{FF2B5EF4-FFF2-40B4-BE49-F238E27FC236}">
+                <a16:creationId xmlns:a16="http://schemas.microsoft.com/office/drawing/2014/main" id="{CDFEFEE4-148F-0F48-623C-2689A3B71832}"/>
+              </a:ext>
+            </a:extLst>
+          </p:cNvPr>
+          <p:cNvSpPr>
+            <a:spLocks noGrp="1"/>
+          </p:cNvSpPr>
+          <p:nvPr>
+            <p:ph type="title"/>
+          </p:nvPr>
+        </p:nvSpPr>
+        <p:spPr/>
+        <p:txBody>
+          <a:bodyPr/>
+          <a:lstStyle/>
+          <a:p>
+            <a:r>
+              <a:rPr lang="pt-BR" dirty="0"/>
+              <a:t>Preparação das bases</a:t>
+            </a:r>
+          </a:p>
+        </p:txBody>
+      </p:sp>
+      <p:sp>
+        <p:nvSpPr>
+          <p:cNvPr id="3" name="Espaço Reservado para Conteúdo 2">
+            <a:extLst>
+              <a:ext uri="{FF2B5EF4-FFF2-40B4-BE49-F238E27FC236}">
+                <a16:creationId xmlns:a16="http://schemas.microsoft.com/office/drawing/2014/main" id="{23D6D60C-CEC4-CE29-6283-E801A1844BAB}"/>
+              </a:ext>
+            </a:extLst>
+          </p:cNvPr>
+          <p:cNvSpPr>
+            <a:spLocks noGrp="1"/>
+          </p:cNvSpPr>
+          <p:nvPr>
+            <p:ph idx="1"/>
+          </p:nvPr>
+        </p:nvSpPr>
+        <p:spPr/>
+        <p:txBody>
+          <a:bodyPr/>
+          <a:lstStyle/>
+          <a:p>
+            <a:r>
+              <a:rPr lang="pt-BR" dirty="0"/>
+              <a:t>Os dados foram obtidos no dia 03/05/2022</a:t>
+            </a:r>
+          </a:p>
+          <a:p>
+            <a:r>
+              <a:rPr lang="pt-BR" dirty="0"/>
+              <a:t>5 tabelas.</a:t>
+            </a:r>
+          </a:p>
+          <a:p>
+            <a:r>
+              <a:rPr lang="pt-BR" dirty="0"/>
+              <a:t>A junção e a criação da ABT (</a:t>
+            </a:r>
+            <a:r>
+              <a:rPr lang="pt-BR" dirty="0" err="1"/>
+              <a:t>Analytic</a:t>
+            </a:r>
+            <a:r>
+              <a:rPr lang="pt-BR" dirty="0"/>
+              <a:t> base </a:t>
+            </a:r>
+            <a:r>
+              <a:rPr lang="pt-BR" dirty="0" err="1"/>
+              <a:t>table</a:t>
+            </a:r>
+            <a:r>
+              <a:rPr lang="pt-BR" dirty="0"/>
+              <a:t>) foi feita pelo SQL</a:t>
+            </a:r>
+          </a:p>
+          <a:p>
+            <a:pPr marL="36900" indent="0">
+              <a:buNone/>
+            </a:pPr>
+            <a:endParaRPr lang="pt-BR" dirty="0"/>
+          </a:p>
+          <a:p>
+            <a:r>
+              <a:rPr lang="pt-BR" dirty="0"/>
+              <a:t>Filtros utilizados:</a:t>
+            </a:r>
+          </a:p>
+          <a:p>
+            <a:pPr marL="36900" indent="0">
+              <a:buNone/>
+            </a:pPr>
+            <a:r>
+              <a:rPr lang="pt-BR" dirty="0"/>
+              <a:t>Filmes com mais de 300 minutos (5 horas)</a:t>
+            </a:r>
+          </a:p>
+          <a:p>
+            <a:pPr marL="36900" indent="0">
+              <a:buNone/>
+            </a:pPr>
+            <a:r>
+              <a:rPr lang="pt-BR" dirty="0"/>
+              <a:t>E filmes com menos de 30 votos.</a:t>
+            </a:r>
+          </a:p>
+          <a:p>
+            <a:pPr marL="36900" indent="0">
+              <a:buNone/>
+            </a:pPr>
+            <a:endParaRPr lang="pt-BR" dirty="0"/>
+          </a:p>
+          <a:p>
+            <a:pPr marL="36900" indent="0">
+              <a:buNone/>
+            </a:pPr>
+            <a:r>
+              <a:rPr lang="pt-BR" dirty="0"/>
+              <a:t>Obtivemos uma base da dados com 187.728 linhas e 35 variáveis.</a:t>
+            </a:r>
+          </a:p>
+          <a:p>
+            <a:pPr marL="36900" indent="0">
+              <a:buNone/>
+            </a:pPr>
+            <a:endParaRPr lang="pt-BR" dirty="0"/>
+          </a:p>
+          <a:p>
+            <a:pPr marL="36900" indent="0">
+              <a:buNone/>
+            </a:pPr>
+            <a:endParaRPr lang="pt-BR" dirty="0"/>
+          </a:p>
+        </p:txBody>
+      </p:sp>
+    </p:spTree>
+    <p:extLst>
+      <p:ext uri="{BB962C8B-B14F-4D97-AF65-F5344CB8AC3E}">
+        <p14:creationId xmlns:p14="http://schemas.microsoft.com/office/powerpoint/2010/main" val="3685121328"/>
+      </p:ext>
+    </p:extLst>
+  </p:cSld>
+  <p:clrMapOvr>
+    <a:masterClrMapping/>
+  </p:clrMapOvr>
+</p:sld>
+</file>
+
 <file path=ppt/slides/slide6.xml><?xml version="1.0" encoding="utf-8"?>
 <p:sld xmlns:a="http://schemas.openxmlformats.org/drawingml/2006/main" xmlns:r="http://schemas.openxmlformats.org/officeDocument/2006/relationships" xmlns:p="http://schemas.openxmlformats.org/presentationml/2006/main">
   <p:cSld>
@@ -9177,28 +12136,144 @@
           </a:p>
         </p:txBody>
       </p:sp>
-      <p:sp>
-        <p:nvSpPr>
-          <p:cNvPr id="3" name="Espaço Reservado para Conteúdo 2">
+      <p:pic>
+        <p:nvPicPr>
+          <p:cNvPr id="5" name="Espaço Reservado para Conteúdo 4">
             <a:extLst>
               <a:ext uri="{FF2B5EF4-FFF2-40B4-BE49-F238E27FC236}">
-                <a16:creationId xmlns:a16="http://schemas.microsoft.com/office/drawing/2014/main" id="{8B7C67A0-69F7-D045-970C-0E99E1DBDFE9}"/>
+                <a16:creationId xmlns:a16="http://schemas.microsoft.com/office/drawing/2014/main" id="{FD028F68-7299-08E3-E2E7-DC3C16E53419}"/>
               </a:ext>
             </a:extLst>
           </p:cNvPr>
-          <p:cNvSpPr>
-            <a:spLocks noGrp="1"/>
-          </p:cNvSpPr>
+          <p:cNvPicPr>
+            <a:picLocks noGrp="1" noChangeAspect="1"/>
+          </p:cNvPicPr>
           <p:nvPr>
             <p:ph idx="1"/>
           </p:nvPr>
+        </p:nvPicPr>
+        <p:blipFill>
+          <a:blip r:embed="rId2">
+            <a:extLst>
+              <a:ext uri="{28A0092B-C50C-407E-A947-70E740481C1C}">
+                <a14:useLocalDpi xmlns:a14="http://schemas.microsoft.com/office/drawing/2010/main" val="0"/>
+              </a:ext>
+            </a:extLst>
+          </a:blip>
+          <a:stretch>
+            <a:fillRect/>
+          </a:stretch>
+        </p:blipFill>
+        <p:spPr>
+          <a:xfrm>
+            <a:off x="405167" y="1580050"/>
+            <a:ext cx="5117460" cy="3542857"/>
+          </a:xfrm>
+        </p:spPr>
+      </p:pic>
+      <p:pic>
+        <p:nvPicPr>
+          <p:cNvPr id="7" name="Imagem 6">
+            <a:extLst>
+              <a:ext uri="{FF2B5EF4-FFF2-40B4-BE49-F238E27FC236}">
+                <a16:creationId xmlns:a16="http://schemas.microsoft.com/office/drawing/2014/main" id="{1DD79D81-0817-485D-E0AD-025E451BAC04}"/>
+              </a:ext>
+            </a:extLst>
+          </p:cNvPr>
+          <p:cNvPicPr>
+            <a:picLocks noChangeAspect="1"/>
+          </p:cNvPicPr>
+          <p:nvPr/>
+        </p:nvPicPr>
+        <p:blipFill>
+          <a:blip r:embed="rId3">
+            <a:extLst>
+              <a:ext uri="{28A0092B-C50C-407E-A947-70E740481C1C}">
+                <a14:useLocalDpi xmlns:a14="http://schemas.microsoft.com/office/drawing/2010/main" val="0"/>
+              </a:ext>
+            </a:extLst>
+          </a:blip>
+          <a:stretch>
+            <a:fillRect/>
+          </a:stretch>
+        </p:blipFill>
+        <p:spPr>
+          <a:xfrm>
+            <a:off x="6310785" y="1580049"/>
+            <a:ext cx="5193651" cy="3542857"/>
+          </a:xfrm>
+          <a:prstGeom prst="rect">
+            <a:avLst/>
+          </a:prstGeom>
+        </p:spPr>
+      </p:pic>
+      <p:sp>
+        <p:nvSpPr>
+          <p:cNvPr id="8" name="CaixaDeTexto 7">
+            <a:extLst>
+              <a:ext uri="{FF2B5EF4-FFF2-40B4-BE49-F238E27FC236}">
+                <a16:creationId xmlns:a16="http://schemas.microsoft.com/office/drawing/2014/main" id="{23EF189F-C5D4-B767-6B4A-032B6FE29714}"/>
+              </a:ext>
+            </a:extLst>
+          </p:cNvPr>
+          <p:cNvSpPr txBox="1"/>
+          <p:nvPr/>
         </p:nvSpPr>
-        <p:spPr/>
+        <p:spPr>
+          <a:xfrm>
+            <a:off x="405168" y="5436601"/>
+            <a:ext cx="5275966" cy="1200329"/>
+          </a:xfrm>
+          <a:prstGeom prst="rect">
+            <a:avLst/>
+          </a:prstGeom>
+          <a:noFill/>
+        </p:spPr>
         <p:txBody>
-          <a:bodyPr/>
+          <a:bodyPr wrap="square" rtlCol="0">
+            <a:spAutoFit/>
+          </a:bodyPr>
           <a:lstStyle/>
           <a:p>
-            <a:endParaRPr lang="pt-BR"/>
+            <a:r>
+              <a:rPr lang="pt-BR" dirty="0"/>
+              <a:t>Notamos um aumento gradual no numero de filmes produzidos com o passar do tempo, e percebemos uma queda em 2020 provavelmente por causa da pandemia</a:t>
+            </a:r>
+          </a:p>
+        </p:txBody>
+      </p:sp>
+      <p:sp>
+        <p:nvSpPr>
+          <p:cNvPr id="9" name="CaixaDeTexto 8">
+            <a:extLst>
+              <a:ext uri="{FF2B5EF4-FFF2-40B4-BE49-F238E27FC236}">
+                <a16:creationId xmlns:a16="http://schemas.microsoft.com/office/drawing/2014/main" id="{90209A60-7666-092E-0799-8DB6CD7450A9}"/>
+              </a:ext>
+            </a:extLst>
+          </p:cNvPr>
+          <p:cNvSpPr txBox="1"/>
+          <p:nvPr/>
+        </p:nvSpPr>
+        <p:spPr>
+          <a:xfrm>
+            <a:off x="6544733" y="5666480"/>
+            <a:ext cx="5193651" cy="646331"/>
+          </a:xfrm>
+          <a:prstGeom prst="rect">
+            <a:avLst/>
+          </a:prstGeom>
+          <a:noFill/>
+        </p:spPr>
+        <p:txBody>
+          <a:bodyPr wrap="square" rtlCol="0">
+            <a:spAutoFit/>
+          </a:bodyPr>
+          <a:lstStyle/>
+          <a:p>
+            <a:r>
+              <a:rPr lang="pt-BR" dirty="0"/>
+              <a:t>Nota-se que a grande maioria dos filmes tem entre 80 e 100 minutos e a média é 94.59 minutos</a:t>
+            </a:r>
           </a:p>
         </p:txBody>
       </p:sp>
@@ -9216,6 +12291,200 @@
 </file>
 
 <file path=ppt/slides/slide7.xml><?xml version="1.0" encoding="utf-8"?>
+<p:sld xmlns:a="http://schemas.openxmlformats.org/drawingml/2006/main" xmlns:r="http://schemas.openxmlformats.org/officeDocument/2006/relationships" xmlns:p="http://schemas.openxmlformats.org/presentationml/2006/main">
+  <p:cSld>
+    <p:spTree>
+      <p:nvGrpSpPr>
+        <p:cNvPr id="1" name=""/>
+        <p:cNvGrpSpPr/>
+        <p:nvPr/>
+      </p:nvGrpSpPr>
+      <p:grpSpPr>
+        <a:xfrm>
+          <a:off x="0" y="0"/>
+          <a:ext cx="0" cy="0"/>
+          <a:chOff x="0" y="0"/>
+          <a:chExt cx="0" cy="0"/>
+        </a:xfrm>
+      </p:grpSpPr>
+      <p:sp>
+        <p:nvSpPr>
+          <p:cNvPr id="11" name="Retângulo 10">
+            <a:extLst>
+              <a:ext uri="{FF2B5EF4-FFF2-40B4-BE49-F238E27FC236}">
+                <a16:creationId xmlns:a16="http://schemas.microsoft.com/office/drawing/2014/main" id="{A0E8C81C-F156-A377-A261-5089199F4FEA}"/>
+              </a:ext>
+            </a:extLst>
+          </p:cNvPr>
+          <p:cNvSpPr/>
+          <p:nvPr/>
+        </p:nvSpPr>
+        <p:spPr>
+          <a:xfrm>
+            <a:off x="3043151" y="1736897"/>
+            <a:ext cx="5410893" cy="3541685"/>
+          </a:xfrm>
+          <a:prstGeom prst="rect">
+            <a:avLst/>
+          </a:prstGeom>
+          <a:solidFill>
+            <a:schemeClr val="tx1"/>
+          </a:solidFill>
+          <a:ln>
+            <a:solidFill>
+              <a:schemeClr val="tx1"/>
+            </a:solidFill>
+          </a:ln>
+        </p:spPr>
+        <p:style>
+          <a:lnRef idx="2">
+            <a:schemeClr val="accent1">
+              <a:shade val="50000"/>
+            </a:schemeClr>
+          </a:lnRef>
+          <a:fillRef idx="1">
+            <a:schemeClr val="accent1"/>
+          </a:fillRef>
+          <a:effectRef idx="0">
+            <a:schemeClr val="accent1"/>
+          </a:effectRef>
+          <a:fontRef idx="minor">
+            <a:schemeClr val="lt1"/>
+          </a:fontRef>
+        </p:style>
+        <p:txBody>
+          <a:bodyPr rtlCol="0" anchor="ctr"/>
+          <a:lstStyle/>
+          <a:p>
+            <a:pPr algn="ctr"/>
+            <a:endParaRPr lang="pt-BR"/>
+          </a:p>
+        </p:txBody>
+      </p:sp>
+      <p:sp>
+        <p:nvSpPr>
+          <p:cNvPr id="2" name="Título 1">
+            <a:extLst>
+              <a:ext uri="{FF2B5EF4-FFF2-40B4-BE49-F238E27FC236}">
+                <a16:creationId xmlns:a16="http://schemas.microsoft.com/office/drawing/2014/main" id="{A521DB1C-9D60-1FE1-762B-CDD88B84B276}"/>
+              </a:ext>
+            </a:extLst>
+          </p:cNvPr>
+          <p:cNvSpPr>
+            <a:spLocks noGrp="1"/>
+          </p:cNvSpPr>
+          <p:nvPr>
+            <p:ph type="title"/>
+          </p:nvPr>
+        </p:nvSpPr>
+        <p:spPr/>
+        <p:txBody>
+          <a:bodyPr/>
+          <a:lstStyle/>
+          <a:p>
+            <a:r>
+              <a:rPr lang="pt-BR" dirty="0"/>
+              <a:t>Análise Exploratória</a:t>
+            </a:r>
+          </a:p>
+        </p:txBody>
+      </p:sp>
+      <p:sp>
+        <p:nvSpPr>
+          <p:cNvPr id="9" name="CaixaDeTexto 8">
+            <a:extLst>
+              <a:ext uri="{FF2B5EF4-FFF2-40B4-BE49-F238E27FC236}">
+                <a16:creationId xmlns:a16="http://schemas.microsoft.com/office/drawing/2014/main" id="{90209A60-7666-092E-0799-8DB6CD7450A9}"/>
+              </a:ext>
+            </a:extLst>
+          </p:cNvPr>
+          <p:cNvSpPr txBox="1"/>
+          <p:nvPr/>
+        </p:nvSpPr>
+        <p:spPr>
+          <a:xfrm>
+            <a:off x="3043152" y="5436601"/>
+            <a:ext cx="5635336" cy="923330"/>
+          </a:xfrm>
+          <a:prstGeom prst="rect">
+            <a:avLst/>
+          </a:prstGeom>
+          <a:noFill/>
+        </p:spPr>
+        <p:txBody>
+          <a:bodyPr wrap="square" rtlCol="0">
+            <a:spAutoFit/>
+          </a:bodyPr>
+          <a:lstStyle/>
+          <a:p>
+            <a:r>
+              <a:rPr lang="pt-BR" dirty="0"/>
+              <a:t>A maior parte das notas encontra-se entre 5 e 7</a:t>
+            </a:r>
+          </a:p>
+          <a:p>
+            <a:r>
+              <a:rPr lang="pt-BR" dirty="0"/>
+              <a:t>Média: 6.05</a:t>
+            </a:r>
+          </a:p>
+          <a:p>
+            <a:r>
+              <a:rPr lang="pt-BR" dirty="0"/>
+              <a:t>Mediana: 6.20</a:t>
+            </a:r>
+          </a:p>
+        </p:txBody>
+      </p:sp>
+      <p:pic>
+        <p:nvPicPr>
+          <p:cNvPr id="10" name="Espaço Reservado para Conteúdo 9">
+            <a:extLst>
+              <a:ext uri="{FF2B5EF4-FFF2-40B4-BE49-F238E27FC236}">
+                <a16:creationId xmlns:a16="http://schemas.microsoft.com/office/drawing/2014/main" id="{FBA84328-9D2F-E809-80A1-F872FA29FEEB}"/>
+              </a:ext>
+            </a:extLst>
+          </p:cNvPr>
+          <p:cNvPicPr>
+            <a:picLocks noGrp="1" noChangeAspect="1"/>
+          </p:cNvPicPr>
+          <p:nvPr>
+            <p:ph idx="1"/>
+          </p:nvPr>
+        </p:nvPicPr>
+        <p:blipFill>
+          <a:blip r:embed="rId2">
+            <a:extLst>
+              <a:ext uri="{28A0092B-C50C-407E-A947-70E740481C1C}">
+                <a14:useLocalDpi xmlns:a14="http://schemas.microsoft.com/office/drawing/2010/main" val="0"/>
+              </a:ext>
+            </a:extLst>
+          </a:blip>
+          <a:stretch>
+            <a:fillRect/>
+          </a:stretch>
+        </p:blipFill>
+        <p:spPr>
+          <a:xfrm>
+            <a:off x="3043151" y="1736898"/>
+            <a:ext cx="5117460" cy="3425306"/>
+          </a:xfrm>
+        </p:spPr>
+      </p:pic>
+    </p:spTree>
+    <p:extLst>
+      <p:ext uri="{BB962C8B-B14F-4D97-AF65-F5344CB8AC3E}">
+        <p14:creationId xmlns:p14="http://schemas.microsoft.com/office/powerpoint/2010/main" val="991051695"/>
+      </p:ext>
+    </p:extLst>
+  </p:cSld>
+  <p:clrMapOvr>
+    <a:masterClrMapping/>
+  </p:clrMapOvr>
+</p:sld>
+</file>
+
+<file path=ppt/slides/slide8.xml><?xml version="1.0" encoding="utf-8"?>
 <p:sld xmlns:a="http://schemas.openxmlformats.org/drawingml/2006/main" xmlns:r="http://schemas.openxmlformats.org/officeDocument/2006/relationships" xmlns:p="http://schemas.openxmlformats.org/presentationml/2006/main">
   <p:cSld>
     <p:spTree>
@@ -9266,36 +12535,1268 @@
           </a:p>
         </p:txBody>
       </p:sp>
-      <p:sp>
-        <p:nvSpPr>
-          <p:cNvPr id="3" name="Espaço Reservado para Conteúdo 2">
+      <mc:AlternateContent xmlns:mc="http://schemas.openxmlformats.org/markup-compatibility/2006" xmlns:a14="http://schemas.microsoft.com/office/drawing/2010/main">
+        <mc:Choice Requires="a14">
+          <p:sp>
+            <p:nvSpPr>
+              <p:cNvPr id="3" name="Espaço Reservado para Conteúdo 2">
+                <a:extLst>
+                  <a:ext uri="{FF2B5EF4-FFF2-40B4-BE49-F238E27FC236}">
+                    <a16:creationId xmlns:a16="http://schemas.microsoft.com/office/drawing/2014/main" id="{4933E11A-B343-A522-73C8-407CEB3D0887}"/>
+                  </a:ext>
+                </a:extLst>
+              </p:cNvPr>
+              <p:cNvSpPr>
+                <a:spLocks noGrp="1"/>
+              </p:cNvSpPr>
+              <p:nvPr>
+                <p:ph idx="1"/>
+              </p:nvPr>
+            </p:nvSpPr>
+            <p:spPr>
+              <a:xfrm>
+                <a:off x="919119" y="1699198"/>
+                <a:ext cx="3702757" cy="4058751"/>
+              </a:xfrm>
+            </p:spPr>
+            <p:txBody>
+              <a:bodyPr>
+                <a:normAutofit lnSpcReduction="10000"/>
+              </a:bodyPr>
+              <a:lstStyle/>
+              <a:p>
+                <a:r>
+                  <a:rPr lang="pt-BR" dirty="0">
+                    <a:latin typeface="+mj-lt"/>
+                  </a:rPr>
+                  <a:t>Após o tratamento dos dados foram “testados” 5 modelos diferentes para escolher qual performa melhor e assim avançar para o processo de </a:t>
+                </a:r>
+                <a:r>
+                  <a:rPr lang="pt-BR" dirty="0" err="1">
+                    <a:latin typeface="+mj-lt"/>
+                  </a:rPr>
+                  <a:t>tunagem</a:t>
+                </a:r>
+                <a:r>
+                  <a:rPr lang="pt-BR" dirty="0">
+                    <a:latin typeface="+mj-lt"/>
+                  </a:rPr>
+                  <a:t>.</a:t>
+                </a:r>
+              </a:p>
+              <a:p>
+                <a:endParaRPr lang="pt-BR" dirty="0">
+                  <a:latin typeface="+mj-lt"/>
+                </a:endParaRPr>
+              </a:p>
+              <a:p>
+                <a:r>
+                  <a:rPr lang="pt-BR" dirty="0">
+                    <a:latin typeface="+mj-lt"/>
+                  </a:rPr>
+                  <a:t>Analisando o </a:t>
+                </a:r>
+                <a14:m>
+                  <m:oMath xmlns:m="http://schemas.openxmlformats.org/officeDocument/2006/math">
+                    <m:sSup>
+                      <m:sSupPr>
+                        <m:ctrlPr>
+                          <a:rPr lang="pt-BR" b="0" i="1" smtClean="0">
+                            <a:latin typeface="Cambria Math" panose="02040503050406030204" pitchFamily="18" charset="0"/>
+                          </a:rPr>
+                        </m:ctrlPr>
+                      </m:sSupPr>
+                      <m:e>
+                        <m:r>
+                          <a:rPr lang="pt-BR" b="0" i="1" smtClean="0">
+                            <a:latin typeface="Cambria Math" panose="02040503050406030204" pitchFamily="18" charset="0"/>
+                          </a:rPr>
+                          <m:t>𝑅</m:t>
+                        </m:r>
+                      </m:e>
+                      <m:sup>
+                        <m:r>
+                          <a:rPr lang="pt-BR" b="0" i="1" smtClean="0">
+                            <a:latin typeface="Cambria Math" panose="02040503050406030204" pitchFamily="18" charset="0"/>
+                          </a:rPr>
+                          <m:t>2</m:t>
+                        </m:r>
+                      </m:sup>
+                    </m:sSup>
+                  </m:oMath>
+                </a14:m>
+                <a:r>
+                  <a:rPr lang="pt-BR" b="0" dirty="0">
+                    <a:latin typeface="+mj-lt"/>
+                  </a:rPr>
+                  <a:t> obtemos:</a:t>
+                </a:r>
+              </a:p>
+              <a:p>
+                <a:endParaRPr lang="pt-BR" dirty="0">
+                  <a:latin typeface="+mj-lt"/>
+                </a:endParaRPr>
+              </a:p>
+              <a:p>
+                <a:endParaRPr lang="pt-BR" dirty="0">
+                  <a:latin typeface="+mj-lt"/>
+                </a:endParaRPr>
+              </a:p>
+              <a:p>
+                <a14:m>
+                  <m:oMath xmlns:m="http://schemas.openxmlformats.org/officeDocument/2006/math">
+                    <m:sSup>
+                      <m:sSupPr>
+                        <m:ctrlPr>
+                          <a:rPr lang="pt-BR" b="0" i="1" smtClean="0">
+                            <a:latin typeface="Cambria Math" panose="02040503050406030204" pitchFamily="18" charset="0"/>
+                          </a:rPr>
+                        </m:ctrlPr>
+                      </m:sSupPr>
+                      <m:e>
+                        <m:r>
+                          <a:rPr lang="pt-BR" b="0" i="1" smtClean="0">
+                            <a:latin typeface="Cambria Math" panose="02040503050406030204" pitchFamily="18" charset="0"/>
+                          </a:rPr>
+                          <m:t>𝑅</m:t>
+                        </m:r>
+                      </m:e>
+                      <m:sup>
+                        <m:r>
+                          <a:rPr lang="pt-BR" b="0" i="1" smtClean="0">
+                            <a:latin typeface="Cambria Math" panose="02040503050406030204" pitchFamily="18" charset="0"/>
+                          </a:rPr>
+                          <m:t>2</m:t>
+                        </m:r>
+                      </m:sup>
+                    </m:sSup>
+                  </m:oMath>
+                </a14:m>
+                <a:r>
+                  <a:rPr lang="pt-BR" dirty="0">
+                    <a:latin typeface="+mj-lt"/>
+                  </a:rPr>
+                  <a:t> muito baixo</a:t>
+                </a:r>
+              </a:p>
+            </p:txBody>
+          </p:sp>
+        </mc:Choice>
+        <mc:Fallback xmlns="">
+          <p:sp>
+            <p:nvSpPr>
+              <p:cNvPr id="3" name="Espaço Reservado para Conteúdo 2">
+                <a:extLst>
+                  <a:ext uri="{FF2B5EF4-FFF2-40B4-BE49-F238E27FC236}">
+                    <a16:creationId xmlns:a16="http://schemas.microsoft.com/office/drawing/2014/main" id="{4933E11A-B343-A522-73C8-407CEB3D0887}"/>
+                  </a:ext>
+                </a:extLst>
+              </p:cNvPr>
+              <p:cNvSpPr>
+                <a:spLocks noGrp="1" noRot="1" noChangeAspect="1" noMove="1" noResize="1" noEditPoints="1" noAdjustHandles="1" noChangeArrowheads="1" noChangeShapeType="1" noTextEdit="1"/>
+              </p:cNvSpPr>
+              <p:nvPr>
+                <p:ph idx="1"/>
+              </p:nvPr>
+            </p:nvSpPr>
+            <p:spPr>
+              <a:xfrm>
+                <a:off x="919119" y="1699198"/>
+                <a:ext cx="3702757" cy="4058751"/>
+              </a:xfrm>
+              <a:blipFill>
+                <a:blip r:embed="rId2"/>
+                <a:stretch>
+                  <a:fillRect/>
+                </a:stretch>
+              </a:blipFill>
+            </p:spPr>
+            <p:txBody>
+              <a:bodyPr/>
+              <a:lstStyle/>
+              <a:p>
+                <a:r>
+                  <a:rPr lang="pt-BR">
+                    <a:noFill/>
+                  </a:rPr>
+                  <a:t> </a:t>
+                </a:r>
+              </a:p>
+            </p:txBody>
+          </p:sp>
+        </mc:Fallback>
+      </mc:AlternateContent>
+      <p:graphicFrame>
+        <p:nvGraphicFramePr>
+          <p:cNvPr id="5" name="Tabela 4">
             <a:extLst>
               <a:ext uri="{FF2B5EF4-FFF2-40B4-BE49-F238E27FC236}">
-                <a16:creationId xmlns:a16="http://schemas.microsoft.com/office/drawing/2014/main" id="{4933E11A-B343-A522-73C8-407CEB3D0887}"/>
+                <a16:creationId xmlns:a16="http://schemas.microsoft.com/office/drawing/2014/main" id="{FEA63FE7-00A5-A5FC-00FE-6B991C41C255}"/>
               </a:ext>
             </a:extLst>
           </p:cNvPr>
-          <p:cNvSpPr>
-            <a:spLocks noGrp="1"/>
-          </p:cNvSpPr>
+          <p:cNvGraphicFramePr>
+            <a:graphicFrameLocks noGrp="1"/>
+          </p:cNvGraphicFramePr>
           <p:nvPr>
-            <p:ph idx="1"/>
+            <p:extLst>
+              <p:ext uri="{D42A27DB-BD31-4B8C-83A1-F6EECF244321}">
+                <p14:modId xmlns:p14="http://schemas.microsoft.com/office/powerpoint/2010/main" val="2206708092"/>
+              </p:ext>
+            </p:extLst>
           </p:nvPr>
-        </p:nvSpPr>
-        <p:spPr>
-          <a:xfrm>
-            <a:off x="919119" y="1699198"/>
-            <a:ext cx="10353762" cy="4058751"/>
-          </a:xfrm>
-        </p:spPr>
-        <p:txBody>
-          <a:bodyPr/>
-          <a:lstStyle/>
-          <a:p>
-            <a:endParaRPr lang="pt-BR"/>
-          </a:p>
-        </p:txBody>
-      </p:sp>
+        </p:nvGraphicFramePr>
+        <p:xfrm>
+          <a:off x="5170517" y="1408337"/>
+          <a:ext cx="5702528" cy="4640471"/>
+        </p:xfrm>
+        <a:graphic>
+          <a:graphicData uri="http://schemas.openxmlformats.org/drawingml/2006/table">
+            <a:tbl>
+              <a:tblPr/>
+              <a:tblGrid>
+                <a:gridCol w="950421">
+                  <a:extLst>
+                    <a:ext uri="{9D8B030D-6E8A-4147-A177-3AD203B41FA5}">
+                      <a16:colId xmlns:a16="http://schemas.microsoft.com/office/drawing/2014/main" val="1424490257"/>
+                    </a:ext>
+                  </a:extLst>
+                </a:gridCol>
+                <a:gridCol w="1145542">
+                  <a:extLst>
+                    <a:ext uri="{9D8B030D-6E8A-4147-A177-3AD203B41FA5}">
+                      <a16:colId xmlns:a16="http://schemas.microsoft.com/office/drawing/2014/main" val="2287224687"/>
+                    </a:ext>
+                  </a:extLst>
+                </a:gridCol>
+                <a:gridCol w="755302">
+                  <a:extLst>
+                    <a:ext uri="{9D8B030D-6E8A-4147-A177-3AD203B41FA5}">
+                      <a16:colId xmlns:a16="http://schemas.microsoft.com/office/drawing/2014/main" val="2280979365"/>
+                    </a:ext>
+                  </a:extLst>
+                </a:gridCol>
+                <a:gridCol w="950421">
+                  <a:extLst>
+                    <a:ext uri="{9D8B030D-6E8A-4147-A177-3AD203B41FA5}">
+                      <a16:colId xmlns:a16="http://schemas.microsoft.com/office/drawing/2014/main" val="3431885850"/>
+                    </a:ext>
+                  </a:extLst>
+                </a:gridCol>
+                <a:gridCol w="950421">
+                  <a:extLst>
+                    <a:ext uri="{9D8B030D-6E8A-4147-A177-3AD203B41FA5}">
+                      <a16:colId xmlns:a16="http://schemas.microsoft.com/office/drawing/2014/main" val="4247629061"/>
+                    </a:ext>
+                  </a:extLst>
+                </a:gridCol>
+                <a:gridCol w="950421">
+                  <a:extLst>
+                    <a:ext uri="{9D8B030D-6E8A-4147-A177-3AD203B41FA5}">
+                      <a16:colId xmlns:a16="http://schemas.microsoft.com/office/drawing/2014/main" val="2969847030"/>
+                    </a:ext>
+                  </a:extLst>
+                </a:gridCol>
+              </a:tblGrid>
+              <a:tr h="377910">
+                <a:tc>
+                  <a:txBody>
+                    <a:bodyPr/>
+                    <a:lstStyle/>
+                    <a:p>
+                      <a:pPr algn="l" fontAlgn="ctr"/>
+                      <a:endParaRPr lang="pt-BR" sz="1600" dirty="0">
+                        <a:effectLst/>
+                      </a:endParaRPr>
+                    </a:p>
+                  </a:txBody>
+                  <a:tcPr marL="18105" marR="18105" marT="9053" marB="9053" anchor="ctr">
+                    <a:lnL>
+                      <a:noFill/>
+                    </a:lnL>
+                    <a:lnR>
+                      <a:noFill/>
+                    </a:lnR>
+                    <a:lnT>
+                      <a:noFill/>
+                    </a:lnT>
+                    <a:lnB>
+                      <a:noFill/>
+                    </a:lnB>
+                  </a:tcPr>
+                </a:tc>
+                <a:tc>
+                  <a:txBody>
+                    <a:bodyPr/>
+                    <a:lstStyle/>
+                    <a:p>
+                      <a:pPr algn="l" fontAlgn="ctr"/>
+                      <a:r>
+                        <a:rPr lang="pt-BR" sz="1600">
+                          <a:effectLst/>
+                        </a:rPr>
+                        <a:t>Model</a:t>
+                      </a:r>
+                    </a:p>
+                  </a:txBody>
+                  <a:tcPr marL="18105" marR="18105" marT="9053" marB="9053" anchor="ctr">
+                    <a:lnL>
+                      <a:noFill/>
+                    </a:lnL>
+                    <a:lnR>
+                      <a:noFill/>
+                    </a:lnR>
+                    <a:lnT>
+                      <a:noFill/>
+                    </a:lnT>
+                    <a:lnB>
+                      <a:noFill/>
+                    </a:lnB>
+                  </a:tcPr>
+                </a:tc>
+                <a:tc>
+                  <a:txBody>
+                    <a:bodyPr/>
+                    <a:lstStyle/>
+                    <a:p>
+                      <a:pPr algn="l" fontAlgn="ctr"/>
+                      <a:r>
+                        <a:rPr lang="pt-BR" sz="1600">
+                          <a:effectLst/>
+                        </a:rPr>
+                        <a:t>MAE</a:t>
+                      </a:r>
+                    </a:p>
+                  </a:txBody>
+                  <a:tcPr marL="18105" marR="18105" marT="9053" marB="9053" anchor="ctr">
+                    <a:lnL>
+                      <a:noFill/>
+                    </a:lnL>
+                    <a:lnR>
+                      <a:noFill/>
+                    </a:lnR>
+                    <a:lnT>
+                      <a:noFill/>
+                    </a:lnT>
+                    <a:lnB>
+                      <a:noFill/>
+                    </a:lnB>
+                  </a:tcPr>
+                </a:tc>
+                <a:tc>
+                  <a:txBody>
+                    <a:bodyPr/>
+                    <a:lstStyle/>
+                    <a:p>
+                      <a:pPr algn="l" fontAlgn="ctr"/>
+                      <a:r>
+                        <a:rPr lang="pt-BR" sz="1600">
+                          <a:effectLst/>
+                        </a:rPr>
+                        <a:t>MSE</a:t>
+                      </a:r>
+                    </a:p>
+                  </a:txBody>
+                  <a:tcPr marL="18105" marR="18105" marT="9053" marB="9053" anchor="ctr">
+                    <a:lnL>
+                      <a:noFill/>
+                    </a:lnL>
+                    <a:lnR>
+                      <a:noFill/>
+                    </a:lnR>
+                    <a:lnT>
+                      <a:noFill/>
+                    </a:lnT>
+                    <a:lnB>
+                      <a:noFill/>
+                    </a:lnB>
+                  </a:tcPr>
+                </a:tc>
+                <a:tc>
+                  <a:txBody>
+                    <a:bodyPr/>
+                    <a:lstStyle/>
+                    <a:p>
+                      <a:pPr algn="l" fontAlgn="ctr"/>
+                      <a:r>
+                        <a:rPr lang="pt-BR" sz="1600">
+                          <a:effectLst/>
+                        </a:rPr>
+                        <a:t>RMSE</a:t>
+                      </a:r>
+                    </a:p>
+                  </a:txBody>
+                  <a:tcPr marL="18105" marR="18105" marT="9053" marB="9053" anchor="ctr">
+                    <a:lnL>
+                      <a:noFill/>
+                    </a:lnL>
+                    <a:lnR>
+                      <a:noFill/>
+                    </a:lnR>
+                    <a:lnT>
+                      <a:noFill/>
+                    </a:lnT>
+                    <a:lnB>
+                      <a:noFill/>
+                    </a:lnB>
+                  </a:tcPr>
+                </a:tc>
+                <a:tc>
+                  <a:txBody>
+                    <a:bodyPr/>
+                    <a:lstStyle/>
+                    <a:p>
+                      <a:pPr algn="l" fontAlgn="ctr"/>
+                      <a:r>
+                        <a:rPr lang="pt-BR" sz="1600">
+                          <a:effectLst/>
+                        </a:rPr>
+                        <a:t>R2</a:t>
+                      </a:r>
+                    </a:p>
+                  </a:txBody>
+                  <a:tcPr marL="18105" marR="18105" marT="9053" marB="9053" anchor="ctr">
+                    <a:lnL>
+                      <a:noFill/>
+                    </a:lnL>
+                    <a:lnR>
+                      <a:noFill/>
+                    </a:lnR>
+                    <a:lnT>
+                      <a:noFill/>
+                    </a:lnT>
+                    <a:lnB>
+                      <a:noFill/>
+                    </a:lnB>
+                  </a:tcPr>
+                </a:tc>
+                <a:extLst>
+                  <a:ext uri="{0D108BD9-81ED-4DB2-BD59-A6C34878D82A}">
+                    <a16:rowId xmlns:a16="http://schemas.microsoft.com/office/drawing/2014/main" val="2144826409"/>
+                  </a:ext>
+                </a:extLst>
+              </a:tr>
+              <a:tr h="1409506">
+                <a:tc>
+                  <a:txBody>
+                    <a:bodyPr/>
+                    <a:lstStyle/>
+                    <a:p>
+                      <a:pPr algn="l" fontAlgn="ctr"/>
+                      <a:r>
+                        <a:rPr lang="pt-BR" sz="1600" b="0" dirty="0" err="1">
+                          <a:effectLst/>
+                        </a:rPr>
+                        <a:t>lightgbm</a:t>
+                      </a:r>
+                      <a:endParaRPr lang="pt-BR" sz="1600" b="0" dirty="0">
+                        <a:effectLst/>
+                      </a:endParaRPr>
+                    </a:p>
+                  </a:txBody>
+                  <a:tcPr marL="18105" marR="18105" marT="9053" marB="9053" anchor="ctr">
+                    <a:lnL>
+                      <a:noFill/>
+                    </a:lnL>
+                    <a:lnR>
+                      <a:noFill/>
+                    </a:lnR>
+                    <a:lnT>
+                      <a:noFill/>
+                    </a:lnT>
+                    <a:lnB>
+                      <a:noFill/>
+                    </a:lnB>
+                    <a:solidFill>
+                      <a:schemeClr val="bg1">
+                        <a:lumMod val="95000"/>
+                        <a:lumOff val="5000"/>
+                      </a:schemeClr>
+                    </a:solidFill>
+                  </a:tcPr>
+                </a:tc>
+                <a:tc>
+                  <a:txBody>
+                    <a:bodyPr/>
+                    <a:lstStyle/>
+                    <a:p>
+                      <a:pPr algn="l"/>
+                      <a:r>
+                        <a:rPr lang="pt-BR" sz="1600" dirty="0">
+                          <a:effectLst/>
+                        </a:rPr>
+                        <a:t>Light </a:t>
+                      </a:r>
+                      <a:r>
+                        <a:rPr lang="pt-BR" sz="1600" dirty="0" err="1">
+                          <a:effectLst/>
+                        </a:rPr>
+                        <a:t>Gradient</a:t>
+                      </a:r>
+                      <a:r>
+                        <a:rPr lang="pt-BR" sz="1600" dirty="0">
+                          <a:effectLst/>
+                        </a:rPr>
+                        <a:t> </a:t>
+                      </a:r>
+                      <a:r>
+                        <a:rPr lang="pt-BR" sz="1600" dirty="0" err="1">
+                          <a:effectLst/>
+                        </a:rPr>
+                        <a:t>Boosting</a:t>
+                      </a:r>
+                      <a:r>
+                        <a:rPr lang="pt-BR" sz="1600" dirty="0">
+                          <a:effectLst/>
+                        </a:rPr>
+                        <a:t> </a:t>
+                      </a:r>
+                      <a:r>
+                        <a:rPr lang="pt-BR" sz="1600" dirty="0" err="1">
+                          <a:effectLst/>
+                        </a:rPr>
+                        <a:t>Machine</a:t>
+                      </a:r>
+                      <a:endParaRPr lang="pt-BR" sz="1600" dirty="0">
+                        <a:effectLst/>
+                      </a:endParaRPr>
+                    </a:p>
+                  </a:txBody>
+                  <a:tcPr marL="18105" marR="18105" marT="9053" marB="9053" anchor="ctr">
+                    <a:lnL>
+                      <a:noFill/>
+                    </a:lnL>
+                    <a:lnR>
+                      <a:noFill/>
+                    </a:lnR>
+                    <a:lnT>
+                      <a:noFill/>
+                    </a:lnT>
+                    <a:lnB>
+                      <a:noFill/>
+                    </a:lnB>
+                    <a:solidFill>
+                      <a:schemeClr val="bg1">
+                        <a:lumMod val="95000"/>
+                        <a:lumOff val="5000"/>
+                      </a:schemeClr>
+                    </a:solidFill>
+                  </a:tcPr>
+                </a:tc>
+                <a:tc>
+                  <a:txBody>
+                    <a:bodyPr/>
+                    <a:lstStyle/>
+                    <a:p>
+                      <a:pPr algn="l"/>
+                      <a:r>
+                        <a:rPr lang="pt-BR" sz="1600" dirty="0">
+                          <a:effectLst/>
+                        </a:rPr>
+                        <a:t>0.7599</a:t>
+                      </a:r>
+                    </a:p>
+                  </a:txBody>
+                  <a:tcPr marL="18105" marR="18105" marT="9053" marB="9053" anchor="ctr">
+                    <a:lnL>
+                      <a:noFill/>
+                    </a:lnL>
+                    <a:lnR>
+                      <a:noFill/>
+                    </a:lnR>
+                    <a:lnT>
+                      <a:noFill/>
+                    </a:lnT>
+                    <a:lnB>
+                      <a:noFill/>
+                    </a:lnB>
+                    <a:solidFill>
+                      <a:schemeClr val="bg1">
+                        <a:lumMod val="95000"/>
+                        <a:lumOff val="5000"/>
+                      </a:schemeClr>
+                    </a:solidFill>
+                  </a:tcPr>
+                </a:tc>
+                <a:tc>
+                  <a:txBody>
+                    <a:bodyPr/>
+                    <a:lstStyle/>
+                    <a:p>
+                      <a:pPr algn="l"/>
+                      <a:r>
+                        <a:rPr lang="pt-BR" sz="1600" dirty="0">
+                          <a:effectLst/>
+                        </a:rPr>
+                        <a:t>1.0124</a:t>
+                      </a:r>
+                    </a:p>
+                  </a:txBody>
+                  <a:tcPr marL="18105" marR="18105" marT="9053" marB="9053" anchor="ctr">
+                    <a:lnL>
+                      <a:noFill/>
+                    </a:lnL>
+                    <a:lnR>
+                      <a:noFill/>
+                    </a:lnR>
+                    <a:lnT>
+                      <a:noFill/>
+                    </a:lnT>
+                    <a:lnB>
+                      <a:noFill/>
+                    </a:lnB>
+                    <a:solidFill>
+                      <a:schemeClr val="bg1">
+                        <a:lumMod val="95000"/>
+                        <a:lumOff val="5000"/>
+                      </a:schemeClr>
+                    </a:solidFill>
+                  </a:tcPr>
+                </a:tc>
+                <a:tc>
+                  <a:txBody>
+                    <a:bodyPr/>
+                    <a:lstStyle/>
+                    <a:p>
+                      <a:pPr algn="l"/>
+                      <a:r>
+                        <a:rPr lang="pt-BR" sz="1600" dirty="0">
+                          <a:effectLst/>
+                        </a:rPr>
+                        <a:t>1.0062</a:t>
+                      </a:r>
+                    </a:p>
+                  </a:txBody>
+                  <a:tcPr marL="18105" marR="18105" marT="9053" marB="9053" anchor="ctr">
+                    <a:lnL>
+                      <a:noFill/>
+                    </a:lnL>
+                    <a:lnR>
+                      <a:noFill/>
+                    </a:lnR>
+                    <a:lnT>
+                      <a:noFill/>
+                    </a:lnT>
+                    <a:lnB>
+                      <a:noFill/>
+                    </a:lnB>
+                    <a:solidFill>
+                      <a:schemeClr val="bg1">
+                        <a:lumMod val="95000"/>
+                        <a:lumOff val="5000"/>
+                      </a:schemeClr>
+                    </a:solidFill>
+                  </a:tcPr>
+                </a:tc>
+                <a:tc>
+                  <a:txBody>
+                    <a:bodyPr/>
+                    <a:lstStyle/>
+                    <a:p>
+                      <a:pPr algn="l"/>
+                      <a:r>
+                        <a:rPr lang="pt-BR" sz="1600" dirty="0">
+                          <a:effectLst/>
+                        </a:rPr>
+                        <a:t>0.3716</a:t>
+                      </a:r>
+                    </a:p>
+                  </a:txBody>
+                  <a:tcPr marL="18105" marR="18105" marT="9053" marB="9053" anchor="ctr">
+                    <a:lnL>
+                      <a:noFill/>
+                    </a:lnL>
+                    <a:lnR>
+                      <a:noFill/>
+                    </a:lnR>
+                    <a:lnT>
+                      <a:noFill/>
+                    </a:lnT>
+                    <a:lnB>
+                      <a:noFill/>
+                    </a:lnB>
+                    <a:solidFill>
+                      <a:schemeClr val="bg1">
+                        <a:lumMod val="95000"/>
+                        <a:lumOff val="5000"/>
+                      </a:schemeClr>
+                    </a:solidFill>
+                  </a:tcPr>
+                </a:tc>
+                <a:extLst>
+                  <a:ext uri="{0D108BD9-81ED-4DB2-BD59-A6C34878D82A}">
+                    <a16:rowId xmlns:a16="http://schemas.microsoft.com/office/drawing/2014/main" val="2358563192"/>
+                  </a:ext>
+                </a:extLst>
+              </a:tr>
+              <a:tr h="1065640">
+                <a:tc>
+                  <a:txBody>
+                    <a:bodyPr/>
+                    <a:lstStyle/>
+                    <a:p>
+                      <a:pPr algn="l" fontAlgn="ctr"/>
+                      <a:r>
+                        <a:rPr lang="pt-BR" sz="1600" b="0" dirty="0" err="1">
+                          <a:effectLst/>
+                        </a:rPr>
+                        <a:t>rf</a:t>
+                      </a:r>
+                      <a:endParaRPr lang="pt-BR" sz="1600" b="0" dirty="0">
+                        <a:effectLst/>
+                      </a:endParaRPr>
+                    </a:p>
+                  </a:txBody>
+                  <a:tcPr marL="18105" marR="18105" marT="9053" marB="9053" anchor="ctr">
+                    <a:lnL>
+                      <a:noFill/>
+                    </a:lnL>
+                    <a:lnR>
+                      <a:noFill/>
+                    </a:lnR>
+                    <a:lnT>
+                      <a:noFill/>
+                    </a:lnT>
+                    <a:lnB>
+                      <a:noFill/>
+                    </a:lnB>
+                  </a:tcPr>
+                </a:tc>
+                <a:tc>
+                  <a:txBody>
+                    <a:bodyPr/>
+                    <a:lstStyle/>
+                    <a:p>
+                      <a:pPr algn="l"/>
+                      <a:r>
+                        <a:rPr lang="pt-BR" sz="1600" dirty="0" err="1">
+                          <a:effectLst/>
+                        </a:rPr>
+                        <a:t>Random</a:t>
+                      </a:r>
+                      <a:r>
+                        <a:rPr lang="pt-BR" sz="1600" dirty="0">
+                          <a:effectLst/>
+                        </a:rPr>
+                        <a:t> Forest </a:t>
+                      </a:r>
+                      <a:r>
+                        <a:rPr lang="pt-BR" sz="1600" dirty="0" err="1">
+                          <a:effectLst/>
+                        </a:rPr>
+                        <a:t>Regressor</a:t>
+                      </a:r>
+                      <a:endParaRPr lang="pt-BR" sz="1600" dirty="0">
+                        <a:effectLst/>
+                      </a:endParaRPr>
+                    </a:p>
+                  </a:txBody>
+                  <a:tcPr marL="18105" marR="18105" marT="9053" marB="9053" anchor="ctr">
+                    <a:lnL>
+                      <a:noFill/>
+                    </a:lnL>
+                    <a:lnR>
+                      <a:noFill/>
+                    </a:lnR>
+                    <a:lnT>
+                      <a:noFill/>
+                    </a:lnT>
+                    <a:lnB>
+                      <a:noFill/>
+                    </a:lnB>
+                  </a:tcPr>
+                </a:tc>
+                <a:tc>
+                  <a:txBody>
+                    <a:bodyPr/>
+                    <a:lstStyle/>
+                    <a:p>
+                      <a:pPr algn="l"/>
+                      <a:r>
+                        <a:rPr lang="pt-BR" sz="1600" dirty="0">
+                          <a:effectLst/>
+                        </a:rPr>
+                        <a:t>0.7710</a:t>
+                      </a:r>
+                    </a:p>
+                  </a:txBody>
+                  <a:tcPr marL="18105" marR="18105" marT="9053" marB="9053" anchor="ctr">
+                    <a:lnL>
+                      <a:noFill/>
+                    </a:lnL>
+                    <a:lnR>
+                      <a:noFill/>
+                    </a:lnR>
+                    <a:lnT>
+                      <a:noFill/>
+                    </a:lnT>
+                    <a:lnB>
+                      <a:noFill/>
+                    </a:lnB>
+                  </a:tcPr>
+                </a:tc>
+                <a:tc>
+                  <a:txBody>
+                    <a:bodyPr/>
+                    <a:lstStyle/>
+                    <a:p>
+                      <a:pPr algn="l"/>
+                      <a:r>
+                        <a:rPr lang="pt-BR" sz="1600" dirty="0">
+                          <a:effectLst/>
+                        </a:rPr>
+                        <a:t>1.0519</a:t>
+                      </a:r>
+                    </a:p>
+                  </a:txBody>
+                  <a:tcPr marL="18105" marR="18105" marT="9053" marB="9053" anchor="ctr">
+                    <a:lnL>
+                      <a:noFill/>
+                    </a:lnL>
+                    <a:lnR>
+                      <a:noFill/>
+                    </a:lnR>
+                    <a:lnT>
+                      <a:noFill/>
+                    </a:lnT>
+                    <a:lnB>
+                      <a:noFill/>
+                    </a:lnB>
+                  </a:tcPr>
+                </a:tc>
+                <a:tc>
+                  <a:txBody>
+                    <a:bodyPr/>
+                    <a:lstStyle/>
+                    <a:p>
+                      <a:pPr algn="l"/>
+                      <a:r>
+                        <a:rPr lang="pt-BR" sz="1600">
+                          <a:effectLst/>
+                        </a:rPr>
+                        <a:t>1.0256</a:t>
+                      </a:r>
+                    </a:p>
+                  </a:txBody>
+                  <a:tcPr marL="18105" marR="18105" marT="9053" marB="9053" anchor="ctr">
+                    <a:lnL>
+                      <a:noFill/>
+                    </a:lnL>
+                    <a:lnR>
+                      <a:noFill/>
+                    </a:lnR>
+                    <a:lnT>
+                      <a:noFill/>
+                    </a:lnT>
+                    <a:lnB>
+                      <a:noFill/>
+                    </a:lnB>
+                  </a:tcPr>
+                </a:tc>
+                <a:tc>
+                  <a:txBody>
+                    <a:bodyPr/>
+                    <a:lstStyle/>
+                    <a:p>
+                      <a:pPr algn="l"/>
+                      <a:r>
+                        <a:rPr lang="pt-BR" sz="1600" dirty="0">
+                          <a:effectLst/>
+                        </a:rPr>
+                        <a:t>0.3471</a:t>
+                      </a:r>
+                    </a:p>
+                  </a:txBody>
+                  <a:tcPr marL="18105" marR="18105" marT="9053" marB="9053" anchor="ctr">
+                    <a:lnL>
+                      <a:noFill/>
+                    </a:lnL>
+                    <a:lnR>
+                      <a:noFill/>
+                    </a:lnR>
+                    <a:lnT>
+                      <a:noFill/>
+                    </a:lnT>
+                    <a:lnB>
+                      <a:noFill/>
+                    </a:lnB>
+                  </a:tcPr>
+                </a:tc>
+                <a:extLst>
+                  <a:ext uri="{0D108BD9-81ED-4DB2-BD59-A6C34878D82A}">
+                    <a16:rowId xmlns:a16="http://schemas.microsoft.com/office/drawing/2014/main" val="484605730"/>
+                  </a:ext>
+                </a:extLst>
+              </a:tr>
+              <a:tr h="1065640">
+                <a:tc>
+                  <a:txBody>
+                    <a:bodyPr/>
+                    <a:lstStyle/>
+                    <a:p>
+                      <a:pPr algn="l" fontAlgn="ctr"/>
+                      <a:r>
+                        <a:rPr lang="pt-BR" sz="1600" b="0">
+                          <a:effectLst/>
+                        </a:rPr>
+                        <a:t>gbr</a:t>
+                      </a:r>
+                    </a:p>
+                  </a:txBody>
+                  <a:tcPr marL="18105" marR="18105" marT="9053" marB="9053" anchor="ctr">
+                    <a:lnL>
+                      <a:noFill/>
+                    </a:lnL>
+                    <a:lnR>
+                      <a:noFill/>
+                    </a:lnR>
+                    <a:lnT>
+                      <a:noFill/>
+                    </a:lnT>
+                    <a:lnB>
+                      <a:noFill/>
+                    </a:lnB>
+                  </a:tcPr>
+                </a:tc>
+                <a:tc>
+                  <a:txBody>
+                    <a:bodyPr/>
+                    <a:lstStyle/>
+                    <a:p>
+                      <a:pPr algn="l"/>
+                      <a:r>
+                        <a:rPr lang="pt-BR" sz="1600">
+                          <a:effectLst/>
+                        </a:rPr>
+                        <a:t>Gradient Boosting Regressor</a:t>
+                      </a:r>
+                    </a:p>
+                  </a:txBody>
+                  <a:tcPr marL="18105" marR="18105" marT="9053" marB="9053" anchor="ctr">
+                    <a:lnL>
+                      <a:noFill/>
+                    </a:lnL>
+                    <a:lnR>
+                      <a:noFill/>
+                    </a:lnR>
+                    <a:lnT>
+                      <a:noFill/>
+                    </a:lnT>
+                    <a:lnB>
+                      <a:noFill/>
+                    </a:lnB>
+                  </a:tcPr>
+                </a:tc>
+                <a:tc>
+                  <a:txBody>
+                    <a:bodyPr/>
+                    <a:lstStyle/>
+                    <a:p>
+                      <a:pPr algn="l"/>
+                      <a:r>
+                        <a:rPr lang="pt-BR" sz="1600">
+                          <a:effectLst/>
+                        </a:rPr>
+                        <a:t>0.7900</a:t>
+                      </a:r>
+                    </a:p>
+                  </a:txBody>
+                  <a:tcPr marL="18105" marR="18105" marT="9053" marB="9053" anchor="ctr">
+                    <a:lnL>
+                      <a:noFill/>
+                    </a:lnL>
+                    <a:lnR>
+                      <a:noFill/>
+                    </a:lnR>
+                    <a:lnT>
+                      <a:noFill/>
+                    </a:lnT>
+                    <a:lnB>
+                      <a:noFill/>
+                    </a:lnB>
+                  </a:tcPr>
+                </a:tc>
+                <a:tc>
+                  <a:txBody>
+                    <a:bodyPr/>
+                    <a:lstStyle/>
+                    <a:p>
+                      <a:pPr algn="l"/>
+                      <a:r>
+                        <a:rPr lang="pt-BR" sz="1600">
+                          <a:effectLst/>
+                        </a:rPr>
+                        <a:t>1.0790</a:t>
+                      </a:r>
+                    </a:p>
+                  </a:txBody>
+                  <a:tcPr marL="18105" marR="18105" marT="9053" marB="9053" anchor="ctr">
+                    <a:lnL>
+                      <a:noFill/>
+                    </a:lnL>
+                    <a:lnR>
+                      <a:noFill/>
+                    </a:lnR>
+                    <a:lnT>
+                      <a:noFill/>
+                    </a:lnT>
+                    <a:lnB>
+                      <a:noFill/>
+                    </a:lnB>
+                  </a:tcPr>
+                </a:tc>
+                <a:tc>
+                  <a:txBody>
+                    <a:bodyPr/>
+                    <a:lstStyle/>
+                    <a:p>
+                      <a:pPr algn="l"/>
+                      <a:r>
+                        <a:rPr lang="pt-BR" sz="1600" dirty="0">
+                          <a:effectLst/>
+                        </a:rPr>
+                        <a:t>1.0387</a:t>
+                      </a:r>
+                    </a:p>
+                  </a:txBody>
+                  <a:tcPr marL="18105" marR="18105" marT="9053" marB="9053" anchor="ctr">
+                    <a:lnL>
+                      <a:noFill/>
+                    </a:lnL>
+                    <a:lnR>
+                      <a:noFill/>
+                    </a:lnR>
+                    <a:lnT>
+                      <a:noFill/>
+                    </a:lnT>
+                    <a:lnB>
+                      <a:noFill/>
+                    </a:lnB>
+                  </a:tcPr>
+                </a:tc>
+                <a:tc>
+                  <a:txBody>
+                    <a:bodyPr/>
+                    <a:lstStyle/>
+                    <a:p>
+                      <a:pPr algn="l"/>
+                      <a:r>
+                        <a:rPr lang="pt-BR" sz="1600" dirty="0">
+                          <a:effectLst/>
+                        </a:rPr>
+                        <a:t>0.3303</a:t>
+                      </a:r>
+                    </a:p>
+                  </a:txBody>
+                  <a:tcPr marL="18105" marR="18105" marT="9053" marB="9053" anchor="ctr">
+                    <a:lnL>
+                      <a:noFill/>
+                    </a:lnL>
+                    <a:lnR>
+                      <a:noFill/>
+                    </a:lnR>
+                    <a:lnT>
+                      <a:noFill/>
+                    </a:lnT>
+                    <a:lnB>
+                      <a:noFill/>
+                    </a:lnB>
+                  </a:tcPr>
+                </a:tc>
+                <a:extLst>
+                  <a:ext uri="{0D108BD9-81ED-4DB2-BD59-A6C34878D82A}">
+                    <a16:rowId xmlns:a16="http://schemas.microsoft.com/office/drawing/2014/main" val="2142888083"/>
+                  </a:ext>
+                </a:extLst>
+              </a:tr>
+              <a:tr h="721775">
+                <a:tc>
+                  <a:txBody>
+                    <a:bodyPr/>
+                    <a:lstStyle/>
+                    <a:p>
+                      <a:pPr algn="l" fontAlgn="ctr"/>
+                      <a:r>
+                        <a:rPr lang="pt-BR" sz="1600" b="0" dirty="0" err="1">
+                          <a:effectLst/>
+                        </a:rPr>
+                        <a:t>lr</a:t>
+                      </a:r>
+                      <a:endParaRPr lang="pt-BR" sz="1600" b="0" dirty="0">
+                        <a:effectLst/>
+                      </a:endParaRPr>
+                    </a:p>
+                  </a:txBody>
+                  <a:tcPr marL="18105" marR="18105" marT="9053" marB="9053" anchor="ctr">
+                    <a:lnL>
+                      <a:noFill/>
+                    </a:lnL>
+                    <a:lnR>
+                      <a:noFill/>
+                    </a:lnR>
+                    <a:lnT>
+                      <a:noFill/>
+                    </a:lnT>
+                    <a:lnB>
+                      <a:noFill/>
+                    </a:lnB>
+                  </a:tcPr>
+                </a:tc>
+                <a:tc>
+                  <a:txBody>
+                    <a:bodyPr/>
+                    <a:lstStyle/>
+                    <a:p>
+                      <a:pPr algn="l"/>
+                      <a:r>
+                        <a:rPr lang="pt-BR" sz="1600">
+                          <a:effectLst/>
+                        </a:rPr>
+                        <a:t>Linear Regression</a:t>
+                      </a:r>
+                    </a:p>
+                  </a:txBody>
+                  <a:tcPr marL="18105" marR="18105" marT="9053" marB="9053" anchor="ctr">
+                    <a:lnL>
+                      <a:noFill/>
+                    </a:lnL>
+                    <a:lnR>
+                      <a:noFill/>
+                    </a:lnR>
+                    <a:lnT>
+                      <a:noFill/>
+                    </a:lnT>
+                    <a:lnB>
+                      <a:noFill/>
+                    </a:lnB>
+                  </a:tcPr>
+                </a:tc>
+                <a:tc>
+                  <a:txBody>
+                    <a:bodyPr/>
+                    <a:lstStyle/>
+                    <a:p>
+                      <a:pPr algn="l"/>
+                      <a:r>
+                        <a:rPr lang="pt-BR" sz="1600">
+                          <a:effectLst/>
+                        </a:rPr>
+                        <a:t>0.8343</a:t>
+                      </a:r>
+                    </a:p>
+                  </a:txBody>
+                  <a:tcPr marL="18105" marR="18105" marT="9053" marB="9053" anchor="ctr">
+                    <a:lnL>
+                      <a:noFill/>
+                    </a:lnL>
+                    <a:lnR>
+                      <a:noFill/>
+                    </a:lnR>
+                    <a:lnT>
+                      <a:noFill/>
+                    </a:lnT>
+                    <a:lnB>
+                      <a:noFill/>
+                    </a:lnB>
+                  </a:tcPr>
+                </a:tc>
+                <a:tc>
+                  <a:txBody>
+                    <a:bodyPr/>
+                    <a:lstStyle/>
+                    <a:p>
+                      <a:pPr algn="l"/>
+                      <a:r>
+                        <a:rPr lang="pt-BR" sz="1600">
+                          <a:effectLst/>
+                        </a:rPr>
+                        <a:t>1.1929</a:t>
+                      </a:r>
+                    </a:p>
+                  </a:txBody>
+                  <a:tcPr marL="18105" marR="18105" marT="9053" marB="9053" anchor="ctr">
+                    <a:lnL>
+                      <a:noFill/>
+                    </a:lnL>
+                    <a:lnR>
+                      <a:noFill/>
+                    </a:lnR>
+                    <a:lnT>
+                      <a:noFill/>
+                    </a:lnT>
+                    <a:lnB>
+                      <a:noFill/>
+                    </a:lnB>
+                  </a:tcPr>
+                </a:tc>
+                <a:tc>
+                  <a:txBody>
+                    <a:bodyPr/>
+                    <a:lstStyle/>
+                    <a:p>
+                      <a:pPr algn="l"/>
+                      <a:r>
+                        <a:rPr lang="pt-BR" sz="1600">
+                          <a:effectLst/>
+                        </a:rPr>
+                        <a:t>1.0922</a:t>
+                      </a:r>
+                    </a:p>
+                  </a:txBody>
+                  <a:tcPr marL="18105" marR="18105" marT="9053" marB="9053" anchor="ctr">
+                    <a:lnL>
+                      <a:noFill/>
+                    </a:lnL>
+                    <a:lnR>
+                      <a:noFill/>
+                    </a:lnR>
+                    <a:lnT>
+                      <a:noFill/>
+                    </a:lnT>
+                    <a:lnB>
+                      <a:noFill/>
+                    </a:lnB>
+                  </a:tcPr>
+                </a:tc>
+                <a:tc>
+                  <a:txBody>
+                    <a:bodyPr/>
+                    <a:lstStyle/>
+                    <a:p>
+                      <a:pPr algn="l"/>
+                      <a:r>
+                        <a:rPr lang="pt-BR" sz="1600" dirty="0">
+                          <a:effectLst/>
+                        </a:rPr>
+                        <a:t>0.2596</a:t>
+                      </a:r>
+                    </a:p>
+                  </a:txBody>
+                  <a:tcPr marL="18105" marR="18105" marT="9053" marB="9053" anchor="ctr">
+                    <a:lnL>
+                      <a:noFill/>
+                    </a:lnL>
+                    <a:lnR>
+                      <a:noFill/>
+                    </a:lnR>
+                    <a:lnT>
+                      <a:noFill/>
+                    </a:lnT>
+                    <a:lnB>
+                      <a:noFill/>
+                    </a:lnB>
+                  </a:tcPr>
+                </a:tc>
+                <a:extLst>
+                  <a:ext uri="{0D108BD9-81ED-4DB2-BD59-A6C34878D82A}">
+                    <a16:rowId xmlns:a16="http://schemas.microsoft.com/office/drawing/2014/main" val="3030754360"/>
+                  </a:ext>
+                </a:extLst>
+              </a:tr>
+            </a:tbl>
+          </a:graphicData>
+        </a:graphic>
+      </p:graphicFrame>
     </p:spTree>
     <p:extLst>
       <p:ext uri="{BB962C8B-B14F-4D97-AF65-F5344CB8AC3E}">
@@ -9309,7 +13810,7 @@
 </p:sld>
 </file>
 
-<file path=ppt/slides/slide8.xml><?xml version="1.0" encoding="utf-8"?>
+<file path=ppt/slides/slide9.xml><?xml version="1.0" encoding="utf-8"?>
 <p:sld xmlns:a="http://schemas.openxmlformats.org/drawingml/2006/main" xmlns:r="http://schemas.openxmlformats.org/officeDocument/2006/relationships" xmlns:p="http://schemas.openxmlformats.org/presentationml/2006/main">
   <p:cSld>
     <p:spTree>
@@ -9349,123 +13850,134 @@
           <a:p>
             <a:r>
               <a:rPr lang="pt-BR" dirty="0"/>
-              <a:t>Escolha do modelo</a:t>
+              <a:t>Problema</a:t>
             </a:r>
           </a:p>
         </p:txBody>
       </p:sp>
-      <p:sp>
-        <p:nvSpPr>
-          <p:cNvPr id="3" name="Espaço Reservado para Conteúdo 2">
+      <p:pic>
+        <p:nvPicPr>
+          <p:cNvPr id="5" name="Espaço Reservado para Conteúdo 4">
             <a:extLst>
               <a:ext uri="{FF2B5EF4-FFF2-40B4-BE49-F238E27FC236}">
-                <a16:creationId xmlns:a16="http://schemas.microsoft.com/office/drawing/2014/main" id="{8E6B0A4F-E108-B786-E4A0-6FDC90DD5A50}"/>
+                <a16:creationId xmlns:a16="http://schemas.microsoft.com/office/drawing/2014/main" id="{C9096593-ED0F-7ACA-C067-588A490926AA}"/>
               </a:ext>
             </a:extLst>
           </p:cNvPr>
-          <p:cNvSpPr>
-            <a:spLocks noGrp="1"/>
-          </p:cNvSpPr>
+          <p:cNvPicPr>
+            <a:picLocks noGrp="1" noChangeAspect="1"/>
+          </p:cNvPicPr>
           <p:nvPr>
             <p:ph idx="1"/>
           </p:nvPr>
-        </p:nvSpPr>
-        <p:spPr/>
-        <p:txBody>
-          <a:bodyPr/>
-          <a:lstStyle/>
-          <a:p>
-            <a:endParaRPr lang="pt-BR"/>
-          </a:p>
-        </p:txBody>
-      </p:sp>
+        </p:nvPicPr>
+        <p:blipFill>
+          <a:blip r:embed="rId2"/>
+          <a:stretch>
+            <a:fillRect/>
+          </a:stretch>
+        </p:blipFill>
+        <p:spPr>
+          <a:xfrm>
+            <a:off x="723207" y="1729939"/>
+            <a:ext cx="10353675" cy="1353335"/>
+          </a:xfrm>
+        </p:spPr>
+      </p:pic>
+      <p:pic>
+        <p:nvPicPr>
+          <p:cNvPr id="7" name="Imagem 6">
+            <a:extLst>
+              <a:ext uri="{FF2B5EF4-FFF2-40B4-BE49-F238E27FC236}">
+                <a16:creationId xmlns:a16="http://schemas.microsoft.com/office/drawing/2014/main" id="{935E2922-FA9C-AE09-AD1C-27BA86909D56}"/>
+              </a:ext>
+            </a:extLst>
+          </p:cNvPr>
+          <p:cNvPicPr>
+            <a:picLocks noChangeAspect="1"/>
+          </p:cNvPicPr>
+          <p:nvPr/>
+        </p:nvPicPr>
+        <p:blipFill>
+          <a:blip r:embed="rId3"/>
+          <a:stretch>
+            <a:fillRect/>
+          </a:stretch>
+        </p:blipFill>
+        <p:spPr>
+          <a:xfrm>
+            <a:off x="2340565" y="3475418"/>
+            <a:ext cx="2714625" cy="1057275"/>
+          </a:xfrm>
+          <a:prstGeom prst="rect">
+            <a:avLst/>
+          </a:prstGeom>
+        </p:spPr>
+      </p:pic>
+      <p:pic>
+        <p:nvPicPr>
+          <p:cNvPr id="9" name="Imagem 8">
+            <a:extLst>
+              <a:ext uri="{FF2B5EF4-FFF2-40B4-BE49-F238E27FC236}">
+                <a16:creationId xmlns:a16="http://schemas.microsoft.com/office/drawing/2014/main" id="{A5C2987B-946F-A012-5486-D0B07DF46D43}"/>
+              </a:ext>
+            </a:extLst>
+          </p:cNvPr>
+          <p:cNvPicPr>
+            <a:picLocks noChangeAspect="1"/>
+          </p:cNvPicPr>
+          <p:nvPr/>
+        </p:nvPicPr>
+        <p:blipFill>
+          <a:blip r:embed="rId4"/>
+          <a:stretch>
+            <a:fillRect/>
+          </a:stretch>
+        </p:blipFill>
+        <p:spPr>
+          <a:xfrm>
+            <a:off x="6628646" y="3475418"/>
+            <a:ext cx="5105722" cy="1925435"/>
+          </a:xfrm>
+          <a:prstGeom prst="rect">
+            <a:avLst/>
+          </a:prstGeom>
+        </p:spPr>
+      </p:pic>
+      <p:pic>
+        <p:nvPicPr>
+          <p:cNvPr id="11" name="Imagem 10">
+            <a:extLst>
+              <a:ext uri="{FF2B5EF4-FFF2-40B4-BE49-F238E27FC236}">
+                <a16:creationId xmlns:a16="http://schemas.microsoft.com/office/drawing/2014/main" id="{78191DFB-BFE7-4253-BCFF-3F8DD3717CC0}"/>
+              </a:ext>
+            </a:extLst>
+          </p:cNvPr>
+          <p:cNvPicPr>
+            <a:picLocks noChangeAspect="1"/>
+          </p:cNvPicPr>
+          <p:nvPr/>
+        </p:nvPicPr>
+        <p:blipFill>
+          <a:blip r:embed="rId5"/>
+          <a:stretch>
+            <a:fillRect/>
+          </a:stretch>
+        </p:blipFill>
+        <p:spPr>
+          <a:xfrm>
+            <a:off x="723207" y="4945923"/>
+            <a:ext cx="5473152" cy="1220129"/>
+          </a:xfrm>
+          <a:prstGeom prst="rect">
+            <a:avLst/>
+          </a:prstGeom>
+        </p:spPr>
+      </p:pic>
     </p:spTree>
     <p:extLst>
       <p:ext uri="{BB962C8B-B14F-4D97-AF65-F5344CB8AC3E}">
         <p14:creationId xmlns:p14="http://schemas.microsoft.com/office/powerpoint/2010/main" val="1949674871"/>
-      </p:ext>
-    </p:extLst>
-  </p:cSld>
-  <p:clrMapOvr>
-    <a:masterClrMapping/>
-  </p:clrMapOvr>
-</p:sld>
-</file>
-
-<file path=ppt/slides/slide9.xml><?xml version="1.0" encoding="utf-8"?>
-<p:sld xmlns:a="http://schemas.openxmlformats.org/drawingml/2006/main" xmlns:r="http://schemas.openxmlformats.org/officeDocument/2006/relationships" xmlns:p="http://schemas.openxmlformats.org/presentationml/2006/main">
-  <p:cSld>
-    <p:spTree>
-      <p:nvGrpSpPr>
-        <p:cNvPr id="1" name=""/>
-        <p:cNvGrpSpPr/>
-        <p:nvPr/>
-      </p:nvGrpSpPr>
-      <p:grpSpPr>
-        <a:xfrm>
-          <a:off x="0" y="0"/>
-          <a:ext cx="0" cy="0"/>
-          <a:chOff x="0" y="0"/>
-          <a:chExt cx="0" cy="0"/>
-        </a:xfrm>
-      </p:grpSpPr>
-      <p:sp>
-        <p:nvSpPr>
-          <p:cNvPr id="2" name="Título 1">
-            <a:extLst>
-              <a:ext uri="{FF2B5EF4-FFF2-40B4-BE49-F238E27FC236}">
-                <a16:creationId xmlns:a16="http://schemas.microsoft.com/office/drawing/2014/main" id="{C9ED09EF-3A49-EC56-D864-F5054689C72D}"/>
-              </a:ext>
-            </a:extLst>
-          </p:cNvPr>
-          <p:cNvSpPr>
-            <a:spLocks noGrp="1"/>
-          </p:cNvSpPr>
-          <p:nvPr>
-            <p:ph type="title"/>
-          </p:nvPr>
-        </p:nvSpPr>
-        <p:spPr/>
-        <p:txBody>
-          <a:bodyPr/>
-          <a:lstStyle/>
-          <a:p>
-            <a:r>
-              <a:rPr lang="pt-BR" dirty="0"/>
-              <a:t>Resultados</a:t>
-            </a:r>
-          </a:p>
-        </p:txBody>
-      </p:sp>
-      <p:sp>
-        <p:nvSpPr>
-          <p:cNvPr id="3" name="Espaço Reservado para Conteúdo 2">
-            <a:extLst>
-              <a:ext uri="{FF2B5EF4-FFF2-40B4-BE49-F238E27FC236}">
-                <a16:creationId xmlns:a16="http://schemas.microsoft.com/office/drawing/2014/main" id="{59A945D9-7C02-AFD7-6637-F92C4509C8B4}"/>
-              </a:ext>
-            </a:extLst>
-          </p:cNvPr>
-          <p:cNvSpPr>
-            <a:spLocks noGrp="1"/>
-          </p:cNvSpPr>
-          <p:nvPr>
-            <p:ph idx="1"/>
-          </p:nvPr>
-        </p:nvSpPr>
-        <p:spPr/>
-        <p:txBody>
-          <a:bodyPr/>
-          <a:lstStyle/>
-          <a:p>
-            <a:endParaRPr lang="pt-BR"/>
-          </a:p>
-        </p:txBody>
-      </p:sp>
-    </p:spTree>
-    <p:extLst>
-      <p:ext uri="{BB962C8B-B14F-4D97-AF65-F5344CB8AC3E}">
-        <p14:creationId xmlns:p14="http://schemas.microsoft.com/office/powerpoint/2010/main" val="381196293"/>
       </p:ext>
     </p:extLst>
   </p:cSld>

--- a/Docs/Apresentação.pptx
+++ b/Docs/Apresentação.pptx
@@ -7748,6 +7748,45 @@
           </a:graphicData>
         </a:graphic>
       </p:graphicFrame>
+      <p:cxnSp>
+        <p:nvCxnSpPr>
+          <p:cNvPr id="6" name="Conector reto 5">
+            <a:extLst>
+              <a:ext uri="{FF2B5EF4-FFF2-40B4-BE49-F238E27FC236}">
+                <a16:creationId xmlns:a16="http://schemas.microsoft.com/office/drawing/2014/main" id="{C94A7958-9202-6AFE-DE47-E20DDD8D043B}"/>
+              </a:ext>
+            </a:extLst>
+          </p:cNvPr>
+          <p:cNvCxnSpPr>
+            <a:cxnSpLocks/>
+          </p:cNvCxnSpPr>
+          <p:nvPr/>
+        </p:nvCxnSpPr>
+        <p:spPr>
+          <a:xfrm>
+            <a:off x="4987636" y="3183775"/>
+            <a:ext cx="6575368" cy="0"/>
+          </a:xfrm>
+          <a:prstGeom prst="line">
+            <a:avLst/>
+          </a:prstGeom>
+          <a:ln w="76200"/>
+        </p:spPr>
+        <p:style>
+          <a:lnRef idx="1">
+            <a:schemeClr val="accent1"/>
+          </a:lnRef>
+          <a:fillRef idx="0">
+            <a:schemeClr val="accent1"/>
+          </a:fillRef>
+          <a:effectRef idx="0">
+            <a:schemeClr val="accent1"/>
+          </a:effectRef>
+          <a:fontRef idx="minor">
+            <a:schemeClr val="tx1"/>
+          </a:fontRef>
+        </p:style>
+      </p:cxnSp>
     </p:spTree>
     <p:extLst>
       <p:ext uri="{BB962C8B-B14F-4D97-AF65-F5344CB8AC3E}">
@@ -12321,8 +12360,8 @@
         </p:nvSpPr>
         <p:spPr>
           <a:xfrm>
-            <a:off x="3043151" y="1736897"/>
-            <a:ext cx="5410893" cy="3541685"/>
+            <a:off x="3531946" y="1777365"/>
+            <a:ext cx="5264176" cy="3541685"/>
           </a:xfrm>
           <a:prstGeom prst="rect">
             <a:avLst/>
@@ -12403,7 +12442,7 @@
         </p:nvSpPr>
         <p:spPr>
           <a:xfrm>
-            <a:off x="3043152" y="5436601"/>
+            <a:off x="3346366" y="5516365"/>
             <a:ext cx="5635336" cy="923330"/>
           </a:xfrm>
           <a:prstGeom prst="rect">
@@ -12466,7 +12505,7 @@
         </p:blipFill>
         <p:spPr>
           <a:xfrm>
-            <a:off x="3043151" y="1736898"/>
+            <a:off x="3605304" y="1835554"/>
             <a:ext cx="5117460" cy="3425306"/>
           </a:xfrm>
         </p:spPr>
@@ -12535,8 +12574,8 @@
           </a:p>
         </p:txBody>
       </p:sp>
-      <mc:AlternateContent xmlns:mc="http://schemas.openxmlformats.org/markup-compatibility/2006" xmlns:a14="http://schemas.microsoft.com/office/drawing/2010/main">
-        <mc:Choice Requires="a14">
+      <mc:AlternateContent xmlns:mc="http://schemas.openxmlformats.org/markup-compatibility/2006">
+        <mc:Choice xmlns:a14="http://schemas.microsoft.com/office/drawing/2010/main" Requires="a14">
           <p:sp>
             <p:nvSpPr>
               <p:cNvPr id="3" name="Espaço Reservado para Conteúdo 2">
@@ -12569,7 +12608,7 @@
                   <a:rPr lang="pt-BR" dirty="0">
                     <a:latin typeface="+mj-lt"/>
                   </a:rPr>
-                  <a:t>Após o tratamento dos dados foram “testados” 5 modelos diferentes para escolher qual performa melhor e assim avançar para o processo de </a:t>
+                  <a:t>Após o tratamento dos dados foram “testados” 4 modelos diferentes para escolher qual performa melhor e assim avançar para o processo de </a:t>
                 </a:r>
                 <a:r>
                   <a:rPr lang="pt-BR" dirty="0" err="1">
@@ -12682,7 +12721,7 @@
             </p:txBody>
           </p:sp>
         </mc:Choice>
-        <mc:Fallback xmlns="">
+        <mc:Fallback>
           <p:sp>
             <p:nvSpPr>
               <p:cNvPr id="3" name="Espaço Reservado para Conteúdo 2">
